--- a/GCP Compute ssh Self-Signed-Certificate.pptx
+++ b/GCP Compute ssh Self-Signed-Certificate.pptx
@@ -5,17 +5,15 @@
     <p:sldMasterId id="2147483648" r:id="rId1"/>
   </p:sldMasterIdLst>
   <p:notesMasterIdLst>
-    <p:notesMasterId r:id="rId10"/>
+    <p:notesMasterId r:id="rId8"/>
   </p:notesMasterIdLst>
   <p:sldIdLst>
     <p:sldId id="256" r:id="rId2"/>
     <p:sldId id="260" r:id="rId3"/>
-    <p:sldId id="258" r:id="rId4"/>
-    <p:sldId id="264" r:id="rId5"/>
-    <p:sldId id="262" r:id="rId6"/>
-    <p:sldId id="259" r:id="rId7"/>
-    <p:sldId id="257" r:id="rId8"/>
-    <p:sldId id="265" r:id="rId9"/>
+    <p:sldId id="262" r:id="rId4"/>
+    <p:sldId id="259" r:id="rId5"/>
+    <p:sldId id="257" r:id="rId6"/>
+    <p:sldId id="265" r:id="rId7"/>
   </p:sldIdLst>
   <p:sldSz cx="9144000" cy="6858000" type="screen4x3"/>
   <p:notesSz cx="6858000" cy="9144000"/>
@@ -199,7 +197,7 @@
           <a:p>
             <a:fld id="{42220474-7C62-44B7-B8E5-673F865CFD35}" type="datetimeFigureOut">
               <a:rPr lang="en-US" smtClean="0"/>
-              <a:t>4/14/2023</a:t>
+              <a:t>4/19/2023</a:t>
             </a:fld>
             <a:endParaRPr lang="en-US"/>
           </a:p>
@@ -648,7 +646,7 @@
           <a:p>
             <a:fld id="{4EB7D4DB-3C1C-47E0-AE73-99F3EFD53322}" type="datetimeFigureOut">
               <a:rPr lang="en-US" smtClean="0"/>
-              <a:t>4/14/2023</a:t>
+              <a:t>4/19/2023</a:t>
             </a:fld>
             <a:endParaRPr lang="en-US"/>
           </a:p>
@@ -818,7 +816,7 @@
           <a:p>
             <a:fld id="{4EB7D4DB-3C1C-47E0-AE73-99F3EFD53322}" type="datetimeFigureOut">
               <a:rPr lang="en-US" smtClean="0"/>
-              <a:t>4/14/2023</a:t>
+              <a:t>4/19/2023</a:t>
             </a:fld>
             <a:endParaRPr lang="en-US"/>
           </a:p>
@@ -998,7 +996,7 @@
           <a:p>
             <a:fld id="{4EB7D4DB-3C1C-47E0-AE73-99F3EFD53322}" type="datetimeFigureOut">
               <a:rPr lang="en-US" smtClean="0"/>
-              <a:t>4/14/2023</a:t>
+              <a:t>4/19/2023</a:t>
             </a:fld>
             <a:endParaRPr lang="en-US"/>
           </a:p>
@@ -1168,7 +1166,7 @@
           <a:p>
             <a:fld id="{4EB7D4DB-3C1C-47E0-AE73-99F3EFD53322}" type="datetimeFigureOut">
               <a:rPr lang="en-US" smtClean="0"/>
-              <a:t>4/14/2023</a:t>
+              <a:t>4/19/2023</a:t>
             </a:fld>
             <a:endParaRPr lang="en-US"/>
           </a:p>
@@ -1414,7 +1412,7 @@
           <a:p>
             <a:fld id="{4EB7D4DB-3C1C-47E0-AE73-99F3EFD53322}" type="datetimeFigureOut">
               <a:rPr lang="en-US" smtClean="0"/>
-              <a:t>4/14/2023</a:t>
+              <a:t>4/19/2023</a:t>
             </a:fld>
             <a:endParaRPr lang="en-US"/>
           </a:p>
@@ -1702,7 +1700,7 @@
           <a:p>
             <a:fld id="{4EB7D4DB-3C1C-47E0-AE73-99F3EFD53322}" type="datetimeFigureOut">
               <a:rPr lang="en-US" smtClean="0"/>
-              <a:t>4/14/2023</a:t>
+              <a:t>4/19/2023</a:t>
             </a:fld>
             <a:endParaRPr lang="en-US"/>
           </a:p>
@@ -2124,7 +2122,7 @@
           <a:p>
             <a:fld id="{4EB7D4DB-3C1C-47E0-AE73-99F3EFD53322}" type="datetimeFigureOut">
               <a:rPr lang="en-US" smtClean="0"/>
-              <a:t>4/14/2023</a:t>
+              <a:t>4/19/2023</a:t>
             </a:fld>
             <a:endParaRPr lang="en-US"/>
           </a:p>
@@ -2242,7 +2240,7 @@
           <a:p>
             <a:fld id="{4EB7D4DB-3C1C-47E0-AE73-99F3EFD53322}" type="datetimeFigureOut">
               <a:rPr lang="en-US" smtClean="0"/>
-              <a:t>4/14/2023</a:t>
+              <a:t>4/19/2023</a:t>
             </a:fld>
             <a:endParaRPr lang="en-US"/>
           </a:p>
@@ -2337,7 +2335,7 @@
           <a:p>
             <a:fld id="{4EB7D4DB-3C1C-47E0-AE73-99F3EFD53322}" type="datetimeFigureOut">
               <a:rPr lang="en-US" smtClean="0"/>
-              <a:t>4/14/2023</a:t>
+              <a:t>4/19/2023</a:t>
             </a:fld>
             <a:endParaRPr lang="en-US"/>
           </a:p>
@@ -2614,7 +2612,7 @@
           <a:p>
             <a:fld id="{4EB7D4DB-3C1C-47E0-AE73-99F3EFD53322}" type="datetimeFigureOut">
               <a:rPr lang="en-US" smtClean="0"/>
-              <a:t>4/14/2023</a:t>
+              <a:t>4/19/2023</a:t>
             </a:fld>
             <a:endParaRPr lang="en-US"/>
           </a:p>
@@ -2867,7 +2865,7 @@
           <a:p>
             <a:fld id="{4EB7D4DB-3C1C-47E0-AE73-99F3EFD53322}" type="datetimeFigureOut">
               <a:rPr lang="en-US" smtClean="0"/>
-              <a:t>4/14/2023</a:t>
+              <a:t>4/19/2023</a:t>
             </a:fld>
             <a:endParaRPr lang="en-US"/>
           </a:p>
@@ -3080,7 +3078,7 @@
           <a:p>
             <a:fld id="{4EB7D4DB-3C1C-47E0-AE73-99F3EFD53322}" type="datetimeFigureOut">
               <a:rPr lang="en-US" smtClean="0"/>
-              <a:t>4/14/2023</a:t>
+              <a:t>4/19/2023</a:t>
             </a:fld>
             <a:endParaRPr lang="en-US"/>
           </a:p>
@@ -3675,7 +3673,7 @@
         <p:spPr>
           <a:xfrm>
             <a:off x="533400" y="4191000"/>
-            <a:ext cx="8015287" cy="1415772"/>
+            <a:ext cx="8015287" cy="1908215"/>
           </a:xfrm>
           <a:prstGeom prst="rect">
             <a:avLst/>
@@ -3691,9 +3689,8 @@
             <a:pPr algn="ctr"/>
             <a:r>
               <a:rPr lang="en-US" sz="3200" b="1" dirty="0" smtClean="0"/>
-              <a:t>GCP Compute SSH Self-Signed Certificate</a:t>
-            </a:r>
-            <a:endParaRPr lang="en-US" sz="3200" b="1" dirty="0" smtClean="0"/>
+              <a:t>GCP Compute Engine SSH Self-Signed Certificate</a:t>
+            </a:r>
           </a:p>
           <a:p>
             <a:pPr algn="ctr"/>
@@ -3772,7 +3769,15 @@
             </a:pPr>
             <a:r>
               <a:rPr lang="en-US" sz="1800" b="1" dirty="0"/>
-              <a:t>GCP Compute SSH Self-Signed Certificate</a:t>
+              <a:t>GCP Compute </a:t>
+            </a:r>
+            <a:r>
+              <a:rPr lang="en-US" sz="1800" b="1" dirty="0" smtClean="0"/>
+              <a:t>Engine SSH </a:t>
+            </a:r>
+            <a:r>
+              <a:rPr lang="en-US" sz="1800" b="1" dirty="0"/>
+              <a:t>Self-Signed Certificate</a:t>
             </a:r>
           </a:p>
           <a:p>
@@ -3782,155 +3787,35 @@
             <a:endParaRPr lang="en-US" sz="1800" dirty="0" smtClean="0"/>
           </a:p>
           <a:p>
-            <a:pPr marL="0" indent="0">
-              <a:buNone/>
-            </a:pPr>
-            <a:r>
-              <a:rPr lang="en-US" sz="1800" dirty="0" smtClean="0"/>
-              <a:t>With </a:t>
-            </a:r>
             <a:r>
               <a:rPr lang="en-US" sz="1800" dirty="0"/>
-              <a:t>the </a:t>
-            </a:r>
-            <a:r>
-              <a:rPr lang="en-US" sz="1800" dirty="0" smtClean="0"/>
-              <a:t>advent </a:t>
-            </a:r>
+              <a:t>Although the Google Cloud Platform (GCP) provides an easy way to access Compute Engine Virtual Machine (VM) Instances either through the GCP Console or the GCP SDK gcloud command line, there may be a use-case in which you would prefer to use ssh.</a:t>
+            </a:r>
+          </a:p>
+          <a:p>
             <a:r>
               <a:rPr lang="en-US" sz="1800" dirty="0"/>
-              <a:t>of integrated development environments (IDE) such as </a:t>
-            </a:r>
-            <a:r>
-              <a:rPr lang="en-US" sz="1800" b="1" dirty="0"/>
-              <a:t>AWS </a:t>
-            </a:r>
-            <a:r>
-              <a:rPr lang="en-US" sz="1800" b="1" dirty="0" smtClean="0"/>
-              <a:t>SageMaker </a:t>
-            </a:r>
-            <a:r>
-              <a:rPr lang="en-US" sz="1800" b="1" dirty="0"/>
-              <a:t>Studio </a:t>
-            </a:r>
-            <a:r>
-              <a:rPr lang="en-US" sz="1800" dirty="0" smtClean="0"/>
-              <a:t>for Machine </a:t>
+              <a:t>In this presentation we will show you how to </a:t>
+            </a:r>
+            <a:r>
+              <a:rPr lang="en-US" sz="1800"/>
+              <a:t>use </a:t>
+            </a:r>
+            <a:r>
+              <a:rPr lang="en-US" sz="1800" smtClean="0"/>
+              <a:t>configure ssh </a:t>
             </a:r>
             <a:r>
               <a:rPr lang="en-US" sz="1800" dirty="0"/>
-              <a:t>Learning (ML), it's now possible to provide a single integrated view where you can </a:t>
-            </a:r>
-            <a:r>
-              <a:rPr lang="en-US" sz="1800" dirty="0" smtClean="0"/>
-              <a:t>access purpose-built </a:t>
-            </a:r>
-            <a:r>
-              <a:rPr lang="en-US" sz="1800" dirty="0"/>
-              <a:t>tools to perform </a:t>
-            </a:r>
-            <a:r>
-              <a:rPr lang="en-US" sz="1800" dirty="0" smtClean="0"/>
-              <a:t>tasks for preparing </a:t>
-            </a:r>
-            <a:r>
-              <a:rPr lang="en-US" sz="1800" dirty="0"/>
-              <a:t>data to </a:t>
-            </a:r>
-            <a:r>
-              <a:rPr lang="en-US" sz="1800" dirty="0" smtClean="0"/>
-              <a:t>building, training</a:t>
-            </a:r>
-            <a:r>
-              <a:rPr lang="en-US" sz="1800" dirty="0"/>
-              <a:t>, and deploying </a:t>
-            </a:r>
-            <a:r>
-              <a:rPr lang="en-US" sz="1800" dirty="0" smtClean="0"/>
-              <a:t>ML </a:t>
-            </a:r>
-            <a:r>
-              <a:rPr lang="en-US" sz="1800" dirty="0"/>
-              <a:t>models.</a:t>
-            </a:r>
-            <a:br>
-              <a:rPr lang="en-US" sz="1800" dirty="0"/>
-            </a:br>
-            <a:r>
-              <a:rPr lang="en-US" sz="1800" dirty="0"/>
-              <a:t/>
-            </a:r>
-            <a:br>
-              <a:rPr lang="en-US" sz="1800" dirty="0"/>
-            </a:br>
-            <a:r>
-              <a:rPr lang="en-US" sz="1800" b="1" dirty="0"/>
-              <a:t>Kubeflow</a:t>
-            </a:r>
-            <a:r>
-              <a:rPr lang="en-US" sz="1800" dirty="0"/>
-              <a:t> is an </a:t>
-            </a:r>
-            <a:r>
-              <a:rPr lang="en-US" sz="1800" dirty="0" smtClean="0"/>
-              <a:t>open source </a:t>
-            </a:r>
-            <a:r>
-              <a:rPr lang="en-US" sz="1800" dirty="0"/>
-              <a:t>ML IDE </a:t>
-            </a:r>
-            <a:r>
-              <a:rPr lang="en-US" sz="1800" dirty="0" smtClean="0"/>
-              <a:t>where you can also access purpose-built </a:t>
-            </a:r>
-            <a:r>
-              <a:rPr lang="en-US" sz="1800" dirty="0"/>
-              <a:t>tools to </a:t>
-            </a:r>
-            <a:r>
-              <a:rPr lang="en-US" sz="1800" dirty="0" smtClean="0"/>
-              <a:t>perform tasks for preparing </a:t>
-            </a:r>
-            <a:r>
-              <a:rPr lang="en-US" sz="1800" dirty="0"/>
-              <a:t>data to building, training, and deploying your ML </a:t>
-            </a:r>
-            <a:r>
-              <a:rPr lang="en-US" sz="1800" dirty="0" smtClean="0"/>
-              <a:t>models, but run them on a Kubernetes cluster.  Because </a:t>
-            </a:r>
-            <a:r>
-              <a:rPr lang="en-US" sz="1800" dirty="0"/>
-              <a:t>it runs on Kubernetes its portable and scalable across multiple cloud and </a:t>
-            </a:r>
-            <a:r>
-              <a:rPr lang="en-US" sz="1800" dirty="0" smtClean="0"/>
-              <a:t>on premise infrastructure.</a:t>
-            </a:r>
+              <a:t>to login to a VM Instance</a:t>
+            </a:r>
+            <a:endParaRPr lang="en-US" sz="1800" dirty="0" smtClean="0"/>
           </a:p>
           <a:p>
             <a:pPr marL="0" indent="0">
               <a:buNone/>
             </a:pPr>
             <a:endParaRPr lang="en-US" sz="1800" dirty="0" smtClean="0"/>
-          </a:p>
-          <a:p>
-            <a:pPr marL="0" indent="0">
-              <a:buNone/>
-            </a:pPr>
-            <a:r>
-              <a:rPr lang="en-US" sz="1800" dirty="0" smtClean="0"/>
-              <a:t>In this presentation we will provide a </a:t>
-            </a:r>
-            <a:r>
-              <a:rPr lang="en-US" sz="1800" dirty="0"/>
-              <a:t>high-level </a:t>
-            </a:r>
-            <a:r>
-              <a:rPr lang="en-US" sz="1800" dirty="0" smtClean="0"/>
-              <a:t>architectural view of Kubeflow and then jump right into a lab to install Kubeflow on AWS.  </a:t>
-            </a:r>
-            <a:endParaRPr lang="en-US" sz="1800" dirty="0"/>
           </a:p>
         </p:txBody>
       </p:sp>
@@ -4046,350 +3931,6 @@
           <a:chExt cx="0" cy="0"/>
         </a:xfrm>
       </p:grpSpPr>
-      <p:pic>
-        <p:nvPicPr>
-          <p:cNvPr id="18" name="Picture 17"/>
-          <p:cNvPicPr>
-            <a:picLocks noChangeAspect="1"/>
-          </p:cNvPicPr>
-          <p:nvPr/>
-        </p:nvPicPr>
-        <p:blipFill>
-          <a:blip r:embed="rId2">
-            <a:extLst>
-              <a:ext uri="{28A0092B-C50C-407E-A947-70E740481C1C}">
-                <a14:useLocalDpi xmlns:a14="http://schemas.microsoft.com/office/drawing/2010/main" val="0"/>
-              </a:ext>
-            </a:extLst>
-          </a:blip>
-          <a:stretch>
-            <a:fillRect/>
-          </a:stretch>
-        </p:blipFill>
-        <p:spPr>
-          <a:xfrm>
-            <a:off x="0" y="1843682"/>
-            <a:ext cx="9144000" cy="4938118"/>
-          </a:xfrm>
-          <a:prstGeom prst="rect">
-            <a:avLst/>
-          </a:prstGeom>
-        </p:spPr>
-      </p:pic>
-      <p:sp>
-        <p:nvSpPr>
-          <p:cNvPr id="19" name="TextBox 18"/>
-          <p:cNvSpPr txBox="1"/>
-          <p:nvPr/>
-        </p:nvSpPr>
-        <p:spPr>
-          <a:xfrm>
-            <a:off x="2792671" y="1229380"/>
-            <a:ext cx="3531929" cy="523220"/>
-          </a:xfrm>
-          <a:prstGeom prst="rect">
-            <a:avLst/>
-          </a:prstGeom>
-          <a:noFill/>
-        </p:spPr>
-        <p:txBody>
-          <a:bodyPr wrap="none" rtlCol="0">
-            <a:spAutoFit/>
-          </a:bodyPr>
-          <a:lstStyle/>
-          <a:p>
-            <a:r>
-              <a:rPr lang="en-US" sz="2800" b="1" dirty="0" smtClean="0"/>
-              <a:t>Kubeflow Architecture</a:t>
-            </a:r>
-            <a:endParaRPr lang="en-US" sz="2800" b="1" dirty="0"/>
-          </a:p>
-        </p:txBody>
-      </p:sp>
-      <p:grpSp>
-        <p:nvGrpSpPr>
-          <p:cNvPr id="7" name="Group 6"/>
-          <p:cNvGrpSpPr/>
-          <p:nvPr/>
-        </p:nvGrpSpPr>
-        <p:grpSpPr>
-          <a:xfrm>
-            <a:off x="1371600" y="218979"/>
-            <a:ext cx="6358554" cy="762000"/>
-            <a:chOff x="609601" y="220462"/>
-            <a:chExt cx="4793543" cy="762000"/>
-          </a:xfrm>
-        </p:grpSpPr>
-        <p:pic>
-          <p:nvPicPr>
-            <p:cNvPr id="8" name="Picture 7"/>
-            <p:cNvPicPr>
-              <a:picLocks noChangeAspect="1"/>
-            </p:cNvPicPr>
-            <p:nvPr/>
-          </p:nvPicPr>
-          <p:blipFill>
-            <a:blip r:embed="rId3">
-              <a:extLst>
-                <a:ext uri="{28A0092B-C50C-407E-A947-70E740481C1C}">
-                  <a14:useLocalDpi xmlns:a14="http://schemas.microsoft.com/office/drawing/2010/main" val="0"/>
-                </a:ext>
-              </a:extLst>
-            </a:blip>
-            <a:stretch>
-              <a:fillRect/>
-            </a:stretch>
-          </p:blipFill>
-          <p:spPr>
-            <a:xfrm>
-              <a:off x="609601" y="220462"/>
-              <a:ext cx="861676" cy="762000"/>
-            </a:xfrm>
-            <a:prstGeom prst="rect">
-              <a:avLst/>
-            </a:prstGeom>
-          </p:spPr>
-        </p:pic>
-        <p:sp>
-          <p:nvSpPr>
-            <p:cNvPr id="9" name="TextBox 8"/>
-            <p:cNvSpPr txBox="1"/>
-            <p:nvPr/>
-          </p:nvSpPr>
-          <p:spPr>
-            <a:xfrm>
-              <a:off x="1528722" y="285820"/>
-              <a:ext cx="3874422" cy="584775"/>
-            </a:xfrm>
-            <a:prstGeom prst="rect">
-              <a:avLst/>
-            </a:prstGeom>
-            <a:noFill/>
-          </p:spPr>
-          <p:txBody>
-            <a:bodyPr wrap="none" rtlCol="0">
-              <a:spAutoFit/>
-            </a:bodyPr>
-            <a:lstStyle/>
-            <a:p>
-              <a:r>
-                <a:rPr lang="en-US" sz="3200" b="1" dirty="0" smtClean="0"/>
-                <a:t>KAL Technology IT Consulting</a:t>
-              </a:r>
-              <a:endParaRPr lang="en-US" sz="3200" b="1" dirty="0"/>
-            </a:p>
-          </p:txBody>
-        </p:sp>
-      </p:grpSp>
-    </p:spTree>
-    <p:extLst>
-      <p:ext uri="{BB962C8B-B14F-4D97-AF65-F5344CB8AC3E}">
-        <p14:creationId xmlns:p14="http://schemas.microsoft.com/office/powerpoint/2010/main" val="2547292064"/>
-      </p:ext>
-    </p:extLst>
-  </p:cSld>
-  <p:clrMapOvr>
-    <a:masterClrMapping/>
-  </p:clrMapOvr>
-  <p:timing>
-    <p:tnLst>
-      <p:par>
-        <p:cTn id="1" dur="indefinite" restart="never" nodeType="tmRoot"/>
-      </p:par>
-    </p:tnLst>
-  </p:timing>
-</p:sld>
-</file>
-
-<file path=ppt/slides/slide4.xml><?xml version="1.0" encoding="utf-8"?>
-<p:sld xmlns:a="http://schemas.openxmlformats.org/drawingml/2006/main" xmlns:r="http://schemas.openxmlformats.org/officeDocument/2006/relationships" xmlns:p="http://schemas.openxmlformats.org/presentationml/2006/main">
-  <p:cSld>
-    <p:spTree>
-      <p:nvGrpSpPr>
-        <p:cNvPr id="1" name=""/>
-        <p:cNvGrpSpPr/>
-        <p:nvPr/>
-      </p:nvGrpSpPr>
-      <p:grpSpPr>
-        <a:xfrm>
-          <a:off x="0" y="0"/>
-          <a:ext cx="0" cy="0"/>
-          <a:chOff x="0" y="0"/>
-          <a:chExt cx="0" cy="0"/>
-        </a:xfrm>
-      </p:grpSpPr>
-      <p:pic>
-        <p:nvPicPr>
-          <p:cNvPr id="2" name="Picture 1"/>
-          <p:cNvPicPr>
-            <a:picLocks noChangeAspect="1"/>
-          </p:cNvPicPr>
-          <p:nvPr/>
-        </p:nvPicPr>
-        <p:blipFill>
-          <a:blip r:embed="rId2">
-            <a:extLst>
-              <a:ext uri="{28A0092B-C50C-407E-A947-70E740481C1C}">
-                <a14:useLocalDpi xmlns:a14="http://schemas.microsoft.com/office/drawing/2010/main" val="0"/>
-              </a:ext>
-            </a:extLst>
-          </a:blip>
-          <a:stretch>
-            <a:fillRect/>
-          </a:stretch>
-        </p:blipFill>
-        <p:spPr>
-          <a:xfrm>
-            <a:off x="0" y="1735726"/>
-            <a:ext cx="9144000" cy="5046074"/>
-          </a:xfrm>
-          <a:prstGeom prst="rect">
-            <a:avLst/>
-          </a:prstGeom>
-        </p:spPr>
-      </p:pic>
-      <p:sp>
-        <p:nvSpPr>
-          <p:cNvPr id="7" name="TextBox 6"/>
-          <p:cNvSpPr txBox="1"/>
-          <p:nvPr/>
-        </p:nvSpPr>
-        <p:spPr>
-          <a:xfrm>
-            <a:off x="2895600" y="1153180"/>
-            <a:ext cx="3302186" cy="523220"/>
-          </a:xfrm>
-          <a:prstGeom prst="rect">
-            <a:avLst/>
-          </a:prstGeom>
-          <a:noFill/>
-        </p:spPr>
-        <p:txBody>
-          <a:bodyPr wrap="none" rtlCol="0">
-            <a:spAutoFit/>
-          </a:bodyPr>
-          <a:lstStyle/>
-          <a:p>
-            <a:r>
-              <a:rPr lang="en-US" sz="2800" b="1" dirty="0" smtClean="0"/>
-              <a:t>Kubeflow Dashboard</a:t>
-            </a:r>
-            <a:endParaRPr lang="en-US" sz="2800" b="1" dirty="0"/>
-          </a:p>
-        </p:txBody>
-      </p:sp>
-      <p:grpSp>
-        <p:nvGrpSpPr>
-          <p:cNvPr id="8" name="Group 7"/>
-          <p:cNvGrpSpPr/>
-          <p:nvPr/>
-        </p:nvGrpSpPr>
-        <p:grpSpPr>
-          <a:xfrm>
-            <a:off x="1371600" y="218979"/>
-            <a:ext cx="6358554" cy="762000"/>
-            <a:chOff x="609601" y="220462"/>
-            <a:chExt cx="4793543" cy="762000"/>
-          </a:xfrm>
-        </p:grpSpPr>
-        <p:pic>
-          <p:nvPicPr>
-            <p:cNvPr id="9" name="Picture 8"/>
-            <p:cNvPicPr>
-              <a:picLocks noChangeAspect="1"/>
-            </p:cNvPicPr>
-            <p:nvPr/>
-          </p:nvPicPr>
-          <p:blipFill>
-            <a:blip r:embed="rId3">
-              <a:extLst>
-                <a:ext uri="{28A0092B-C50C-407E-A947-70E740481C1C}">
-                  <a14:useLocalDpi xmlns:a14="http://schemas.microsoft.com/office/drawing/2010/main" val="0"/>
-                </a:ext>
-              </a:extLst>
-            </a:blip>
-            <a:stretch>
-              <a:fillRect/>
-            </a:stretch>
-          </p:blipFill>
-          <p:spPr>
-            <a:xfrm>
-              <a:off x="609601" y="220462"/>
-              <a:ext cx="861676" cy="762000"/>
-            </a:xfrm>
-            <a:prstGeom prst="rect">
-              <a:avLst/>
-            </a:prstGeom>
-          </p:spPr>
-        </p:pic>
-        <p:sp>
-          <p:nvSpPr>
-            <p:cNvPr id="10" name="TextBox 9"/>
-            <p:cNvSpPr txBox="1"/>
-            <p:nvPr/>
-          </p:nvSpPr>
-          <p:spPr>
-            <a:xfrm>
-              <a:off x="1528722" y="285820"/>
-              <a:ext cx="3874422" cy="584775"/>
-            </a:xfrm>
-            <a:prstGeom prst="rect">
-              <a:avLst/>
-            </a:prstGeom>
-            <a:noFill/>
-          </p:spPr>
-          <p:txBody>
-            <a:bodyPr wrap="none" rtlCol="0">
-              <a:spAutoFit/>
-            </a:bodyPr>
-            <a:lstStyle/>
-            <a:p>
-              <a:r>
-                <a:rPr lang="en-US" sz="3200" b="1" dirty="0" smtClean="0"/>
-                <a:t>KAL Technology IT Consulting</a:t>
-              </a:r>
-              <a:endParaRPr lang="en-US" sz="3200" b="1" dirty="0"/>
-            </a:p>
-          </p:txBody>
-        </p:sp>
-      </p:grpSp>
-    </p:spTree>
-    <p:extLst>
-      <p:ext uri="{BB962C8B-B14F-4D97-AF65-F5344CB8AC3E}">
-        <p14:creationId xmlns:p14="http://schemas.microsoft.com/office/powerpoint/2010/main" val="4010390792"/>
-      </p:ext>
-    </p:extLst>
-  </p:cSld>
-  <p:clrMapOvr>
-    <a:masterClrMapping/>
-  </p:clrMapOvr>
-  <p:timing>
-    <p:tnLst>
-      <p:par>
-        <p:cTn id="1" dur="indefinite" restart="never" nodeType="tmRoot"/>
-      </p:par>
-    </p:tnLst>
-  </p:timing>
-</p:sld>
-</file>
-
-<file path=ppt/slides/slide5.xml><?xml version="1.0" encoding="utf-8"?>
-<p:sld xmlns:a="http://schemas.openxmlformats.org/drawingml/2006/main" xmlns:r="http://schemas.openxmlformats.org/officeDocument/2006/relationships" xmlns:p="http://schemas.openxmlformats.org/presentationml/2006/main">
-  <p:cSld>
-    <p:spTree>
-      <p:nvGrpSpPr>
-        <p:cNvPr id="1" name=""/>
-        <p:cNvGrpSpPr/>
-        <p:nvPr/>
-      </p:nvGrpSpPr>
-      <p:grpSpPr>
-        <a:xfrm>
-          <a:off x="0" y="0"/>
-          <a:ext cx="0" cy="0"/>
-          <a:chOff x="0" y="0"/>
-          <a:chExt cx="0" cy="0"/>
-        </a:xfrm>
-      </p:grpSpPr>
       <p:sp>
         <p:nvSpPr>
           <p:cNvPr id="3" name="Content Placeholder 2"/>
@@ -4576,7 +4117,7 @@
 </p:sld>
 </file>
 
-<file path=ppt/slides/slide6.xml><?xml version="1.0" encoding="utf-8"?>
+<file path=ppt/slides/slide4.xml><?xml version="1.0" encoding="utf-8"?>
 <p:sld xmlns:a="http://schemas.openxmlformats.org/drawingml/2006/main" xmlns:r="http://schemas.openxmlformats.org/officeDocument/2006/relationships" xmlns:p="http://schemas.openxmlformats.org/presentationml/2006/main">
   <p:cSld>
     <p:spTree>
@@ -4625,13 +4166,21 @@
           <a:p>
             <a:r>
               <a:rPr lang="en-US" sz="1800" dirty="0" smtClean="0"/>
-              <a:t>AWS Account</a:t>
+              <a:t>GCP Account</a:t>
             </a:r>
           </a:p>
           <a:p>
             <a:r>
               <a:rPr lang="en-US" sz="1800" dirty="0" smtClean="0"/>
-              <a:t>Ability to remotely ssh to an EC2 Instance</a:t>
+              <a:t>GCP SDK installed</a:t>
+            </a:r>
+            <a:r>
+              <a:rPr lang="en-US" sz="1800" dirty="0"/>
+              <a:t> </a:t>
+            </a:r>
+            <a:r>
+              <a:rPr lang="en-US" sz="1800" dirty="0" smtClean="0"/>
+              <a:t>and configured to access the GCP Cloud remotely.  </a:t>
             </a:r>
           </a:p>
         </p:txBody>
@@ -4731,7 +4280,7 @@
 </p:sld>
 </file>
 
-<file path=ppt/slides/slide7.xml><?xml version="1.0" encoding="utf-8"?>
+<file path=ppt/slides/slide5.xml><?xml version="1.0" encoding="utf-8"?>
 <p:sld xmlns:a="http://schemas.openxmlformats.org/drawingml/2006/main" xmlns:r="http://schemas.openxmlformats.org/officeDocument/2006/relationships" xmlns:p="http://schemas.openxmlformats.org/presentationml/2006/main">
   <p:cSld>
     <p:spTree>
@@ -4757,7 +4306,7 @@
         <p:spPr>
           <a:xfrm>
             <a:off x="474955" y="1471474"/>
-            <a:ext cx="7772400" cy="2862322"/>
+            <a:ext cx="7772400" cy="2031325"/>
           </a:xfrm>
           <a:prstGeom prst="rect">
             <a:avLst/>
@@ -4781,27 +4330,26 @@
           <a:p>
             <a:r>
               <a:rPr lang="en-US" dirty="0" smtClean="0"/>
-              <a:t>Kubeflow</a:t>
-            </a:r>
-          </a:p>
-          <a:p>
+              <a:t>Connect </a:t>
+            </a:r>
+            <a:r>
+              <a:rPr lang="en-US" dirty="0"/>
+              <a:t>to Linux VMs</a:t>
+            </a:r>
+            <a:endParaRPr lang="en-US" dirty="0" smtClean="0"/>
+          </a:p>
+          <a:p>
+            <a:r>
+              <a:rPr lang="en-US" dirty="0">
+                <a:hlinkClick r:id="rId2"/>
+              </a:rPr>
+              <a:t>https://</a:t>
+            </a:r>
             <a:r>
               <a:rPr lang="en-US" dirty="0" smtClean="0">
                 <a:hlinkClick r:id="rId2"/>
               </a:rPr>
-              <a:t>https</a:t>
-            </a:r>
-            <a:r>
-              <a:rPr lang="en-US" dirty="0">
-                <a:hlinkClick r:id="rId2"/>
-              </a:rPr>
-              <a:t>://</a:t>
-            </a:r>
-            <a:r>
-              <a:rPr lang="en-US" dirty="0" smtClean="0">
-                <a:hlinkClick r:id="rId2"/>
-              </a:rPr>
-              <a:t>www.kubeflow.org/docs</a:t>
+              <a:t>cloud.google.com/compute/docs/connect/standard-ssh#openssh-client</a:t>
             </a:r>
             <a:endParaRPr lang="en-US" dirty="0" smtClean="0"/>
           </a:p>
@@ -4809,57 +4357,9 @@
             <a:endParaRPr lang="en-US" dirty="0"/>
           </a:p>
           <a:p>
-            <a:r>
-              <a:rPr lang="en-US" dirty="0"/>
-              <a:t>Kubeflow on AWS</a:t>
-            </a:r>
-          </a:p>
-          <a:p>
-            <a:r>
-              <a:rPr lang="en-US" dirty="0" smtClean="0">
-                <a:hlinkClick r:id="rId3"/>
-              </a:rPr>
-              <a:t>https</a:t>
-            </a:r>
-            <a:r>
-              <a:rPr lang="en-US" dirty="0">
-                <a:hlinkClick r:id="rId3"/>
-              </a:rPr>
-              <a:t>://awslabs.github.io/kubeflow-manifests</a:t>
-            </a:r>
-            <a:r>
-              <a:rPr lang="en-US" dirty="0" smtClean="0">
-                <a:hlinkClick r:id="rId3"/>
-              </a:rPr>
-              <a:t>/</a:t>
-            </a:r>
             <a:endParaRPr lang="en-US" dirty="0" smtClean="0"/>
           </a:p>
           <a:p>
-            <a:endParaRPr lang="en-US" dirty="0" smtClean="0"/>
-          </a:p>
-          <a:p>
-            <a:r>
-              <a:rPr lang="en-US" dirty="0" smtClean="0"/>
-              <a:t>AWS </a:t>
-            </a:r>
-            <a:r>
-              <a:rPr lang="en-US" dirty="0"/>
-              <a:t>Elastic Kubernetes Service (EKS) Kubeflow </a:t>
-            </a:r>
-            <a:r>
-              <a:rPr lang="en-US" dirty="0" smtClean="0"/>
-              <a:t>QuickStart</a:t>
-            </a:r>
-            <a:endParaRPr lang="en-US" dirty="0"/>
-          </a:p>
-          <a:p>
-            <a:r>
-              <a:rPr lang="en-US" dirty="0">
-                <a:hlinkClick r:id="rId4"/>
-              </a:rPr>
-              <a:t>https://github.com/kskalvar/aws-eks-kubeflow-quickstart</a:t>
-            </a:r>
             <a:endParaRPr lang="en-US" dirty="0"/>
           </a:p>
         </p:txBody>
@@ -4887,7 +4387,7 @@
             <p:nvPr/>
           </p:nvPicPr>
           <p:blipFill>
-            <a:blip r:embed="rId5">
+            <a:blip r:embed="rId3">
               <a:extLst>
                 <a:ext uri="{28A0092B-C50C-407E-A947-70E740481C1C}">
                   <a14:useLocalDpi xmlns:a14="http://schemas.microsoft.com/office/drawing/2010/main" val="0"/>
@@ -4959,7 +4459,7 @@
 </p:sld>
 </file>
 
-<file path=ppt/slides/slide8.xml><?xml version="1.0" encoding="utf-8"?>
+<file path=ppt/slides/slide6.xml><?xml version="1.0" encoding="utf-8"?>
 <p:sld xmlns:a="http://schemas.openxmlformats.org/drawingml/2006/main" xmlns:r="http://schemas.openxmlformats.org/officeDocument/2006/relationships" xmlns:p="http://schemas.openxmlformats.org/presentationml/2006/main">
   <p:cSld>
     <p:spTree>

--- a/GCP Compute ssh Self-Signed-Certificate.pptx
+++ b/GCP Compute ssh Self-Signed-Certificate.pptx
@@ -3689,8 +3689,9 @@
             <a:pPr algn="ctr"/>
             <a:r>
               <a:rPr lang="en-US" sz="3200" b="1" dirty="0" smtClean="0"/>
-              <a:t>GCP Compute Engine SSH Self-Signed Certificate</a:t>
-            </a:r>
+              <a:t>Using SSH and a Self-Signed Certificate with GCP Compute Engine</a:t>
+            </a:r>
+            <a:endParaRPr lang="en-US" sz="3200" b="1" dirty="0" smtClean="0"/>
           </a:p>
           <a:p>
             <a:pPr algn="ctr"/>
@@ -3769,15 +3770,15 @@
             </a:pPr>
             <a:r>
               <a:rPr lang="en-US" sz="1800" b="1" dirty="0"/>
-              <a:t>GCP Compute </a:t>
+              <a:t>Using SSH </a:t>
             </a:r>
             <a:r>
               <a:rPr lang="en-US" sz="1800" b="1" dirty="0" smtClean="0"/>
-              <a:t>Engine SSH </a:t>
+              <a:t>and a Self-Signed </a:t>
             </a:r>
             <a:r>
               <a:rPr lang="en-US" sz="1800" b="1" dirty="0"/>
-              <a:t>Self-Signed Certificate</a:t>
+              <a:t>Certificate with GCP Compute Engine</a:t>
             </a:r>
           </a:p>
           <a:p>
@@ -3787,27 +3788,47 @@
             <a:endParaRPr lang="en-US" sz="1800" dirty="0" smtClean="0"/>
           </a:p>
           <a:p>
+            <a:pPr marL="0" indent="0">
+              <a:buNone/>
+            </a:pPr>
             <a:r>
               <a:rPr lang="en-US" sz="1800" dirty="0"/>
-              <a:t>Although the Google Cloud Platform (GCP) provides an easy way to access Compute Engine Virtual Machine (VM) Instances either through the GCP Console or the GCP SDK gcloud command line, there may be a use-case in which you would prefer to use ssh.</a:t>
-            </a:r>
-          </a:p>
-          <a:p>
+              <a:t>Although the Google Cloud Platform (GCP) provides an easy way to access Compute Engine Virtual Machine (VM) Instances either through the GCP Console or the GCP SDK gcloud command line, there may be a use-case in which you would prefer to use ssh</a:t>
+            </a:r>
+            <a:r>
+              <a:rPr lang="en-US" sz="1800" dirty="0" smtClean="0"/>
+              <a:t>.</a:t>
+            </a:r>
+          </a:p>
+          <a:p>
+            <a:pPr marL="0" indent="0">
+              <a:buNone/>
+            </a:pPr>
+            <a:endParaRPr lang="en-US" sz="1800" dirty="0"/>
+          </a:p>
+          <a:p>
+            <a:pPr marL="0" indent="0">
+              <a:buNone/>
+            </a:pPr>
             <a:r>
               <a:rPr lang="en-US" sz="1800" dirty="0"/>
               <a:t>In this presentation we will show you how to </a:t>
             </a:r>
             <a:r>
-              <a:rPr lang="en-US" sz="1800"/>
-              <a:t>use </a:t>
-            </a:r>
-            <a:r>
-              <a:rPr lang="en-US" sz="1800" smtClean="0"/>
+              <a:rPr lang="en-US" sz="1800" dirty="0" smtClean="0"/>
               <a:t>configure ssh </a:t>
             </a:r>
             <a:r>
               <a:rPr lang="en-US" sz="1800" dirty="0"/>
-              <a:t>to login to a VM Instance</a:t>
+              <a:t>to login to a </a:t>
+            </a:r>
+            <a:r>
+              <a:rPr lang="en-US" sz="1800" dirty="0" smtClean="0"/>
+              <a:t>Compute Engine VM </a:t>
+            </a:r>
+            <a:r>
+              <a:rPr lang="en-US" sz="1800" dirty="0"/>
+              <a:t>Instance</a:t>
             </a:r>
             <a:endParaRPr lang="en-US" sz="1800" dirty="0" smtClean="0"/>
           </a:p>
@@ -3966,15 +3987,13 @@
             </a:pPr>
             <a:r>
               <a:rPr lang="en-US" sz="1800" dirty="0" smtClean="0"/>
-              <a:t>In this lab we will install Kubeflow on AWS Elastic Kubernetes Service (EKS).   </a:t>
-            </a:r>
-            <a:br>
+              <a:t>In this lab </a:t>
+            </a:r>
+            <a:r>
               <a:rPr lang="en-US" sz="1800" dirty="0" smtClean="0"/>
-            </a:br>
-            <a:r>
-              <a:rPr lang="en-US" sz="1800" dirty="0" smtClean="0"/>
-              <a:t>Although I did find quite a few documents on installing Kubeflow on EKS, they were either confusing, inaccurate, or missing information.</a:t>
-            </a:r>
+              <a:t>we’ll generate a self-signed certificate locally using ssh-gen.  Then modify the public key to fit the GCP Metadata requirement for certificates.  We’ll import it into the GCP Project Metadata section so it’s available automatically every time a GCP Compute VM Instance is created in the project.  </a:t>
+            </a:r>
+            <a:endParaRPr lang="en-US" sz="1800" dirty="0" smtClean="0"/>
           </a:p>
           <a:p>
             <a:pPr marL="0" indent="0">
@@ -3988,7 +4007,19 @@
             </a:pPr>
             <a:r>
               <a:rPr lang="en-US" sz="1800" dirty="0"/>
-              <a:t>It’s pretty hard to experiment and work with something new if you can’t get the basic service running.  So I developed a reliable, repeatable process to get you up and running  with Kubeflow quickly</a:t>
+              <a:t>It’s pretty hard to experiment and work with something new if you can’t get the </a:t>
+            </a:r>
+            <a:r>
+              <a:rPr lang="en-US" sz="1800" dirty="0" smtClean="0"/>
+              <a:t>basics.  I </a:t>
+            </a:r>
+            <a:r>
+              <a:rPr lang="en-US" sz="1800" dirty="0"/>
+              <a:t>developed a reliable, repeatable process to get you up and running  with </a:t>
+            </a:r>
+            <a:r>
+              <a:rPr lang="en-US" sz="1800" dirty="0" smtClean="0"/>
+              <a:t>SSH Self-signed certificates quickly</a:t>
             </a:r>
             <a:r>
               <a:rPr lang="en-US" sz="1800" dirty="0" smtClean="0"/>
@@ -4007,16 +4038,16 @@
               <a:buNone/>
             </a:pPr>
             <a:r>
+              <a:rPr lang="en-US" sz="1800" dirty="0"/>
+              <a:t>Please see “Using SSH and a Self-Signed Certificate with GCP Compute </a:t>
+            </a:r>
+            <a:r>
               <a:rPr lang="en-US" sz="1800" dirty="0" smtClean="0"/>
-              <a:t>Please see “AWS </a:t>
-            </a:r>
-            <a:r>
-              <a:rPr lang="en-US" sz="1800" dirty="0"/>
-              <a:t>Elastic Kubernetes Service (EKS) Kubeflow </a:t>
+              <a:t>Engine</a:t>
             </a:r>
             <a:r>
               <a:rPr lang="en-US" sz="1800" dirty="0" smtClean="0"/>
-              <a:t>QuickStart” in the reference section at the bottom of this presentation.  There’s a link to a GitHub project which contains step by step instructions you’ll need.</a:t>
+              <a:t>” in the reference section at the bottom of this presentation.  There’s a link to a GitHub project which contains step by step instructions you’ll need.</a:t>
             </a:r>
             <a:endParaRPr lang="en-US" sz="1800" dirty="0"/>
           </a:p>
@@ -4166,13 +4197,21 @@
           <a:p>
             <a:r>
               <a:rPr lang="en-US" sz="1800" dirty="0" smtClean="0"/>
-              <a:t>GCP Account</a:t>
-            </a:r>
-          </a:p>
-          <a:p>
+              <a:t>You have a GCP </a:t>
+            </a:r>
             <a:r>
               <a:rPr lang="en-US" sz="1800" dirty="0" smtClean="0"/>
-              <a:t>GCP SDK installed</a:t>
+              <a:t>Account</a:t>
+            </a:r>
+          </a:p>
+          <a:p>
+            <a:r>
+              <a:rPr lang="en-US" sz="1800" dirty="0" smtClean="0"/>
+              <a:t>You have GCP </a:t>
+            </a:r>
+            <a:r>
+              <a:rPr lang="en-US" sz="1800" dirty="0" smtClean="0"/>
+              <a:t>SDK installed</a:t>
             </a:r>
             <a:r>
               <a:rPr lang="en-US" sz="1800" dirty="0"/>
@@ -4180,8 +4219,17 @@
             </a:r>
             <a:r>
               <a:rPr lang="en-US" sz="1800" dirty="0" smtClean="0"/>
-              <a:t>and configured to access the GCP Cloud remotely.  </a:t>
-            </a:r>
+              <a:t>locally and </a:t>
+            </a:r>
+            <a:r>
+              <a:rPr lang="en-US" sz="1800" dirty="0" smtClean="0"/>
+              <a:t>configured to access the GCP Cloud </a:t>
+            </a:r>
+            <a:r>
+              <a:rPr lang="en-US" sz="1800" dirty="0" smtClean="0"/>
+              <a:t>remotely.  </a:t>
+            </a:r>
+            <a:endParaRPr lang="en-US" sz="1800" dirty="0" smtClean="0"/>
           </a:p>
         </p:txBody>
       </p:sp>
@@ -4306,7 +4354,7 @@
         <p:spPr>
           <a:xfrm>
             <a:off x="474955" y="1471474"/>
-            <a:ext cx="7772400" cy="2031325"/>
+            <a:ext cx="7772400" cy="2585323"/>
           </a:xfrm>
           <a:prstGeom prst="rect">
             <a:avLst/>
@@ -4355,6 +4403,37 @@
           </a:p>
           <a:p>
             <a:endParaRPr lang="en-US" dirty="0"/>
+          </a:p>
+          <a:p>
+            <a:r>
+              <a:rPr lang="en-US" dirty="0"/>
+              <a:t>Using SSH and a Self-Signed Certificate with GCP Compute </a:t>
+            </a:r>
+            <a:r>
+              <a:rPr lang="en-US" dirty="0" smtClean="0"/>
+              <a:t>Engine</a:t>
+            </a:r>
+          </a:p>
+          <a:p>
+            <a:r>
+              <a:rPr lang="en-US">
+                <a:hlinkClick r:id="rId3"/>
+              </a:rPr>
+              <a:t>https</a:t>
+            </a:r>
+            <a:r>
+              <a:rPr lang="en-US">
+                <a:hlinkClick r:id="rId3"/>
+              </a:rPr>
+              <a:t>://</a:t>
+            </a:r>
+            <a:r>
+              <a:rPr lang="en-US" smtClean="0">
+                <a:hlinkClick r:id="rId3"/>
+              </a:rPr>
+              <a:t>github.com/kskalvar/gcp-compute-ssh-self-signed-certificate</a:t>
+            </a:r>
+            <a:endParaRPr lang="en-US" smtClean="0"/>
           </a:p>
           <a:p>
             <a:endParaRPr lang="en-US" dirty="0" smtClean="0"/>
@@ -4387,7 +4466,7 @@
             <p:nvPr/>
           </p:nvPicPr>
           <p:blipFill>
-            <a:blip r:embed="rId3">
+            <a:blip r:embed="rId4">
               <a:extLst>
                 <a:ext uri="{28A0092B-C50C-407E-A947-70E740481C1C}">
                   <a14:useLocalDpi xmlns:a14="http://schemas.microsoft.com/office/drawing/2010/main" val="0"/>

--- a/GCP Compute ssh Self-Signed-Certificate.pptx
+++ b/GCP Compute ssh Self-Signed-Certificate.pptx
@@ -3793,7 +3793,23 @@
             </a:pPr>
             <a:r>
               <a:rPr lang="en-US" sz="1800" dirty="0"/>
-              <a:t>Although the Google Cloud Platform (GCP) provides an easy way to access Compute Engine Virtual Machine (VM) Instances either through the GCP Console or the GCP SDK gcloud command line, there may be a use-case in which you would prefer to use ssh</a:t>
+              <a:t>Although the Google Cloud Platform (GCP) provides an easy way to access </a:t>
+            </a:r>
+            <a:r>
+              <a:rPr lang="en-US" sz="1800" dirty="0" smtClean="0"/>
+              <a:t>a Compute </a:t>
+            </a:r>
+            <a:r>
+              <a:rPr lang="en-US" sz="1800" dirty="0"/>
+              <a:t>Engine Virtual Machine (VM) </a:t>
+            </a:r>
+            <a:r>
+              <a:rPr lang="en-US" sz="1800" dirty="0" smtClean="0"/>
+              <a:t>Instance either </a:t>
+            </a:r>
+            <a:r>
+              <a:rPr lang="en-US" sz="1800" dirty="0"/>
+              <a:t>through the GCP Console or the GCP SDK gcloud command line, there may be a use-case in which you would prefer to use ssh</a:t>
             </a:r>
             <a:r>
               <a:rPr lang="en-US" sz="1800" dirty="0" smtClean="0"/>
@@ -3824,11 +3840,7 @@
             </a:r>
             <a:r>
               <a:rPr lang="en-US" sz="1800" dirty="0" smtClean="0"/>
-              <a:t>Compute Engine VM </a:t>
-            </a:r>
-            <a:r>
-              <a:rPr lang="en-US" sz="1800" dirty="0"/>
-              <a:t>Instance</a:t>
+              <a:t>Compute Engine VM Instance.</a:t>
             </a:r>
             <a:endParaRPr lang="en-US" sz="1800" dirty="0" smtClean="0"/>
           </a:p>
@@ -4019,7 +4031,7 @@
             </a:r>
             <a:r>
               <a:rPr lang="en-US" sz="1800" dirty="0" smtClean="0"/>
-              <a:t>SSH Self-signed certificates quickly</a:t>
+              <a:t>SSH Self-Signed certificates quickly</a:t>
             </a:r>
             <a:r>
               <a:rPr lang="en-US" sz="1800" dirty="0" smtClean="0"/>
@@ -4047,7 +4059,15 @@
             </a:r>
             <a:r>
               <a:rPr lang="en-US" sz="1800" dirty="0" smtClean="0"/>
-              <a:t>” in the reference section at the bottom of this presentation.  There’s a link to a GitHub project which contains step by step instructions you’ll need.</a:t>
+              <a:t>” in the reference section at the bottom of this presentation.  There’s a </a:t>
+            </a:r>
+            <a:r>
+              <a:rPr lang="en-US" sz="1800" smtClean="0"/>
+              <a:t>link there to </a:t>
+            </a:r>
+            <a:r>
+              <a:rPr lang="en-US" sz="1800" dirty="0" smtClean="0"/>
+              <a:t>a GitHub project which contains step by step instructions you’ll need.</a:t>
             </a:r>
             <a:endParaRPr lang="en-US" sz="1800" dirty="0"/>
           </a:p>
@@ -4207,7 +4227,7 @@
           <a:p>
             <a:r>
               <a:rPr lang="en-US" sz="1800" dirty="0" smtClean="0"/>
-              <a:t>You have GCP </a:t>
+              <a:t>You have the GCP </a:t>
             </a:r>
             <a:r>
               <a:rPr lang="en-US" sz="1800" dirty="0" smtClean="0"/>
@@ -4223,11 +4243,11 @@
             </a:r>
             <a:r>
               <a:rPr lang="en-US" sz="1800" dirty="0" smtClean="0"/>
-              <a:t>configured to access the GCP Cloud </a:t>
+              <a:t>configured to access the GCP </a:t>
             </a:r>
             <a:r>
               <a:rPr lang="en-US" sz="1800" dirty="0" smtClean="0"/>
-              <a:t>remotely.  </a:t>
+              <a:t>Cloud  </a:t>
             </a:r>
             <a:endParaRPr lang="en-US" sz="1800" dirty="0" smtClean="0"/>
           </a:p>
@@ -4416,24 +4436,18 @@
           </a:p>
           <a:p>
             <a:r>
-              <a:rPr lang="en-US">
+              <a:rPr lang="en-US" dirty="0">
                 <a:hlinkClick r:id="rId3"/>
               </a:rPr>
-              <a:t>https</a:t>
-            </a:r>
-            <a:r>
-              <a:rPr lang="en-US">
-                <a:hlinkClick r:id="rId3"/>
-              </a:rPr>
-              <a:t>://</a:t>
-            </a:r>
-            <a:r>
-              <a:rPr lang="en-US" smtClean="0">
+              <a:t>https://</a:t>
+            </a:r>
+            <a:r>
+              <a:rPr lang="en-US" dirty="0" smtClean="0">
                 <a:hlinkClick r:id="rId3"/>
               </a:rPr>
               <a:t>github.com/kskalvar/gcp-compute-ssh-self-signed-certificate</a:t>
             </a:r>
-            <a:endParaRPr lang="en-US" smtClean="0"/>
+            <a:endParaRPr lang="en-US" dirty="0" smtClean="0"/>
           </a:p>
           <a:p>
             <a:endParaRPr lang="en-US" dirty="0" smtClean="0"/>

--- a/GCP Compute ssh Self-Signed-Certificate.pptx
+++ b/GCP Compute ssh Self-Signed-Certificate.pptx
@@ -3801,11 +3801,27 @@
             </a:r>
             <a:r>
               <a:rPr lang="en-US" sz="1800" dirty="0"/>
-              <a:t>Engine Virtual Machine (VM) </a:t>
-            </a:r>
-            <a:r>
-              <a:rPr lang="en-US" sz="1800" dirty="0" smtClean="0"/>
-              <a:t>Instance either </a:t>
+              <a:t>Engine </a:t>
+            </a:r>
+            <a:r>
+              <a:rPr lang="en-US" sz="1800"/>
+              <a:t>Virtual </a:t>
+            </a:r>
+            <a:r>
+              <a:rPr lang="en-US" sz="1800" smtClean="0"/>
+              <a:t>Machines </a:t>
+            </a:r>
+            <a:r>
+              <a:rPr lang="en-US" sz="1800" dirty="0"/>
+              <a:t>(VM</a:t>
+            </a:r>
+            <a:r>
+              <a:rPr lang="en-US" sz="1800"/>
+              <a:t>) </a:t>
+            </a:r>
+            <a:r>
+              <a:rPr lang="en-US" sz="1800" smtClean="0"/>
+              <a:t>either </a:t>
             </a:r>
             <a:r>
               <a:rPr lang="en-US" sz="1800" dirty="0"/>
@@ -4059,15 +4075,7 @@
             </a:r>
             <a:r>
               <a:rPr lang="en-US" sz="1800" dirty="0" smtClean="0"/>
-              <a:t>” in the reference section at the bottom of this presentation.  There’s a </a:t>
-            </a:r>
-            <a:r>
-              <a:rPr lang="en-US" sz="1800" smtClean="0"/>
-              <a:t>link there to </a:t>
-            </a:r>
-            <a:r>
-              <a:rPr lang="en-US" sz="1800" dirty="0" smtClean="0"/>
-              <a:t>a GitHub project which contains step by step instructions you’ll need.</a:t>
+              <a:t>” in the reference section at the bottom of this presentation.  There’s a link there to a GitHub project which contains step by step instructions you’ll need.</a:t>
             </a:r>
             <a:endParaRPr lang="en-US" sz="1800" dirty="0"/>
           </a:p>

--- a/GCP Compute ssh Self-Signed-Certificate.pptx
+++ b/GCP Compute ssh Self-Signed-Certificate.pptx
@@ -164,7 +164,7 @@
             </a:lvl1pPr>
           </a:lstStyle>
           <a:p>
-            <a:endParaRPr lang="en-US"/>
+            <a:endParaRPr lang="en-US" dirty="0"/>
           </a:p>
         </p:txBody>
       </p:sp>
@@ -197,9 +197,9 @@
           <a:p>
             <a:fld id="{42220474-7C62-44B7-B8E5-673F865CFD35}" type="datetimeFigureOut">
               <a:rPr lang="en-US" smtClean="0"/>
-              <a:t>4/19/2023</a:t>
+              <a:t>4/23/2023</a:t>
             </a:fld>
-            <a:endParaRPr lang="en-US"/>
+            <a:endParaRPr lang="en-US" dirty="0"/>
           </a:p>
         </p:txBody>
       </p:sp>
@@ -232,7 +232,7 @@
           <a:bodyPr vert="horz" lIns="91440" tIns="45720" rIns="91440" bIns="45720" rtlCol="0" anchor="ctr"/>
           <a:lstStyle/>
           <a:p>
-            <a:endParaRPr lang="en-US"/>
+            <a:endParaRPr lang="en-US" dirty="0"/>
           </a:p>
         </p:txBody>
       </p:sp>
@@ -323,7 +323,7 @@
             </a:lvl1pPr>
           </a:lstStyle>
           <a:p>
-            <a:endParaRPr lang="en-US"/>
+            <a:endParaRPr lang="en-US" dirty="0"/>
           </a:p>
         </p:txBody>
       </p:sp>
@@ -358,7 +358,7 @@
               <a:rPr lang="en-US" smtClean="0"/>
               <a:t>‹#›</a:t>
             </a:fld>
-            <a:endParaRPr lang="en-US"/>
+            <a:endParaRPr lang="en-US" dirty="0"/>
           </a:p>
         </p:txBody>
       </p:sp>
@@ -646,9 +646,9 @@
           <a:p>
             <a:fld id="{4EB7D4DB-3C1C-47E0-AE73-99F3EFD53322}" type="datetimeFigureOut">
               <a:rPr lang="en-US" smtClean="0"/>
-              <a:t>4/19/2023</a:t>
+              <a:t>4/23/2023</a:t>
             </a:fld>
-            <a:endParaRPr lang="en-US"/>
+            <a:endParaRPr lang="en-US" dirty="0"/>
           </a:p>
         </p:txBody>
       </p:sp>
@@ -667,7 +667,7 @@
           <a:bodyPr/>
           <a:lstStyle/>
           <a:p>
-            <a:endParaRPr lang="en-US"/>
+            <a:endParaRPr lang="en-US" dirty="0"/>
           </a:p>
         </p:txBody>
       </p:sp>
@@ -690,7 +690,7 @@
               <a:rPr lang="en-US" smtClean="0"/>
               <a:t>‹#›</a:t>
             </a:fld>
-            <a:endParaRPr lang="en-US"/>
+            <a:endParaRPr lang="en-US" dirty="0"/>
           </a:p>
         </p:txBody>
       </p:sp>
@@ -816,9 +816,9 @@
           <a:p>
             <a:fld id="{4EB7D4DB-3C1C-47E0-AE73-99F3EFD53322}" type="datetimeFigureOut">
               <a:rPr lang="en-US" smtClean="0"/>
-              <a:t>4/19/2023</a:t>
+              <a:t>4/23/2023</a:t>
             </a:fld>
-            <a:endParaRPr lang="en-US"/>
+            <a:endParaRPr lang="en-US" dirty="0"/>
           </a:p>
         </p:txBody>
       </p:sp>
@@ -837,7 +837,7 @@
           <a:bodyPr/>
           <a:lstStyle/>
           <a:p>
-            <a:endParaRPr lang="en-US"/>
+            <a:endParaRPr lang="en-US" dirty="0"/>
           </a:p>
         </p:txBody>
       </p:sp>
@@ -860,7 +860,7 @@
               <a:rPr lang="en-US" smtClean="0"/>
               <a:t>‹#›</a:t>
             </a:fld>
-            <a:endParaRPr lang="en-US"/>
+            <a:endParaRPr lang="en-US" dirty="0"/>
           </a:p>
         </p:txBody>
       </p:sp>
@@ -996,9 +996,9 @@
           <a:p>
             <a:fld id="{4EB7D4DB-3C1C-47E0-AE73-99F3EFD53322}" type="datetimeFigureOut">
               <a:rPr lang="en-US" smtClean="0"/>
-              <a:t>4/19/2023</a:t>
+              <a:t>4/23/2023</a:t>
             </a:fld>
-            <a:endParaRPr lang="en-US"/>
+            <a:endParaRPr lang="en-US" dirty="0"/>
           </a:p>
         </p:txBody>
       </p:sp>
@@ -1017,7 +1017,7 @@
           <a:bodyPr/>
           <a:lstStyle/>
           <a:p>
-            <a:endParaRPr lang="en-US"/>
+            <a:endParaRPr lang="en-US" dirty="0"/>
           </a:p>
         </p:txBody>
       </p:sp>
@@ -1040,7 +1040,7 @@
               <a:rPr lang="en-US" smtClean="0"/>
               <a:t>‹#›</a:t>
             </a:fld>
-            <a:endParaRPr lang="en-US"/>
+            <a:endParaRPr lang="en-US" dirty="0"/>
           </a:p>
         </p:txBody>
       </p:sp>
@@ -1166,9 +1166,9 @@
           <a:p>
             <a:fld id="{4EB7D4DB-3C1C-47E0-AE73-99F3EFD53322}" type="datetimeFigureOut">
               <a:rPr lang="en-US" smtClean="0"/>
-              <a:t>4/19/2023</a:t>
+              <a:t>4/23/2023</a:t>
             </a:fld>
-            <a:endParaRPr lang="en-US"/>
+            <a:endParaRPr lang="en-US" dirty="0"/>
           </a:p>
         </p:txBody>
       </p:sp>
@@ -1187,7 +1187,7 @@
           <a:bodyPr/>
           <a:lstStyle/>
           <a:p>
-            <a:endParaRPr lang="en-US"/>
+            <a:endParaRPr lang="en-US" dirty="0"/>
           </a:p>
         </p:txBody>
       </p:sp>
@@ -1210,7 +1210,7 @@
               <a:rPr lang="en-US" smtClean="0"/>
               <a:t>‹#›</a:t>
             </a:fld>
-            <a:endParaRPr lang="en-US"/>
+            <a:endParaRPr lang="en-US" dirty="0"/>
           </a:p>
         </p:txBody>
       </p:sp>
@@ -1412,9 +1412,9 @@
           <a:p>
             <a:fld id="{4EB7D4DB-3C1C-47E0-AE73-99F3EFD53322}" type="datetimeFigureOut">
               <a:rPr lang="en-US" smtClean="0"/>
-              <a:t>4/19/2023</a:t>
+              <a:t>4/23/2023</a:t>
             </a:fld>
-            <a:endParaRPr lang="en-US"/>
+            <a:endParaRPr lang="en-US" dirty="0"/>
           </a:p>
         </p:txBody>
       </p:sp>
@@ -1433,7 +1433,7 @@
           <a:bodyPr/>
           <a:lstStyle/>
           <a:p>
-            <a:endParaRPr lang="en-US"/>
+            <a:endParaRPr lang="en-US" dirty="0"/>
           </a:p>
         </p:txBody>
       </p:sp>
@@ -1456,7 +1456,7 @@
               <a:rPr lang="en-US" smtClean="0"/>
               <a:t>‹#›</a:t>
             </a:fld>
-            <a:endParaRPr lang="en-US"/>
+            <a:endParaRPr lang="en-US" dirty="0"/>
           </a:p>
         </p:txBody>
       </p:sp>
@@ -1700,9 +1700,9 @@
           <a:p>
             <a:fld id="{4EB7D4DB-3C1C-47E0-AE73-99F3EFD53322}" type="datetimeFigureOut">
               <a:rPr lang="en-US" smtClean="0"/>
-              <a:t>4/19/2023</a:t>
+              <a:t>4/23/2023</a:t>
             </a:fld>
-            <a:endParaRPr lang="en-US"/>
+            <a:endParaRPr lang="en-US" dirty="0"/>
           </a:p>
         </p:txBody>
       </p:sp>
@@ -1721,7 +1721,7 @@
           <a:bodyPr/>
           <a:lstStyle/>
           <a:p>
-            <a:endParaRPr lang="en-US"/>
+            <a:endParaRPr lang="en-US" dirty="0"/>
           </a:p>
         </p:txBody>
       </p:sp>
@@ -1744,7 +1744,7 @@
               <a:rPr lang="en-US" smtClean="0"/>
               <a:t>‹#›</a:t>
             </a:fld>
-            <a:endParaRPr lang="en-US"/>
+            <a:endParaRPr lang="en-US" dirty="0"/>
           </a:p>
         </p:txBody>
       </p:sp>
@@ -2122,9 +2122,9 @@
           <a:p>
             <a:fld id="{4EB7D4DB-3C1C-47E0-AE73-99F3EFD53322}" type="datetimeFigureOut">
               <a:rPr lang="en-US" smtClean="0"/>
-              <a:t>4/19/2023</a:t>
+              <a:t>4/23/2023</a:t>
             </a:fld>
-            <a:endParaRPr lang="en-US"/>
+            <a:endParaRPr lang="en-US" dirty="0"/>
           </a:p>
         </p:txBody>
       </p:sp>
@@ -2143,7 +2143,7 @@
           <a:bodyPr/>
           <a:lstStyle/>
           <a:p>
-            <a:endParaRPr lang="en-US"/>
+            <a:endParaRPr lang="en-US" dirty="0"/>
           </a:p>
         </p:txBody>
       </p:sp>
@@ -2166,7 +2166,7 @@
               <a:rPr lang="en-US" smtClean="0"/>
               <a:t>‹#›</a:t>
             </a:fld>
-            <a:endParaRPr lang="en-US"/>
+            <a:endParaRPr lang="en-US" dirty="0"/>
           </a:p>
         </p:txBody>
       </p:sp>
@@ -2240,9 +2240,9 @@
           <a:p>
             <a:fld id="{4EB7D4DB-3C1C-47E0-AE73-99F3EFD53322}" type="datetimeFigureOut">
               <a:rPr lang="en-US" smtClean="0"/>
-              <a:t>4/19/2023</a:t>
+              <a:t>4/23/2023</a:t>
             </a:fld>
-            <a:endParaRPr lang="en-US"/>
+            <a:endParaRPr lang="en-US" dirty="0"/>
           </a:p>
         </p:txBody>
       </p:sp>
@@ -2261,7 +2261,7 @@
           <a:bodyPr/>
           <a:lstStyle/>
           <a:p>
-            <a:endParaRPr lang="en-US"/>
+            <a:endParaRPr lang="en-US" dirty="0"/>
           </a:p>
         </p:txBody>
       </p:sp>
@@ -2284,7 +2284,7 @@
               <a:rPr lang="en-US" smtClean="0"/>
               <a:t>‹#›</a:t>
             </a:fld>
-            <a:endParaRPr lang="en-US"/>
+            <a:endParaRPr lang="en-US" dirty="0"/>
           </a:p>
         </p:txBody>
       </p:sp>
@@ -2335,9 +2335,9 @@
           <a:p>
             <a:fld id="{4EB7D4DB-3C1C-47E0-AE73-99F3EFD53322}" type="datetimeFigureOut">
               <a:rPr lang="en-US" smtClean="0"/>
-              <a:t>4/19/2023</a:t>
+              <a:t>4/23/2023</a:t>
             </a:fld>
-            <a:endParaRPr lang="en-US"/>
+            <a:endParaRPr lang="en-US" dirty="0"/>
           </a:p>
         </p:txBody>
       </p:sp>
@@ -2356,7 +2356,7 @@
           <a:bodyPr/>
           <a:lstStyle/>
           <a:p>
-            <a:endParaRPr lang="en-US"/>
+            <a:endParaRPr lang="en-US" dirty="0"/>
           </a:p>
         </p:txBody>
       </p:sp>
@@ -2379,7 +2379,7 @@
               <a:rPr lang="en-US" smtClean="0"/>
               <a:t>‹#›</a:t>
             </a:fld>
-            <a:endParaRPr lang="en-US"/>
+            <a:endParaRPr lang="en-US" dirty="0"/>
           </a:p>
         </p:txBody>
       </p:sp>
@@ -2612,9 +2612,9 @@
           <a:p>
             <a:fld id="{4EB7D4DB-3C1C-47E0-AE73-99F3EFD53322}" type="datetimeFigureOut">
               <a:rPr lang="en-US" smtClean="0"/>
-              <a:t>4/19/2023</a:t>
+              <a:t>4/23/2023</a:t>
             </a:fld>
-            <a:endParaRPr lang="en-US"/>
+            <a:endParaRPr lang="en-US" dirty="0"/>
           </a:p>
         </p:txBody>
       </p:sp>
@@ -2633,7 +2633,7 @@
           <a:bodyPr/>
           <a:lstStyle/>
           <a:p>
-            <a:endParaRPr lang="en-US"/>
+            <a:endParaRPr lang="en-US" dirty="0"/>
           </a:p>
         </p:txBody>
       </p:sp>
@@ -2656,7 +2656,7 @@
               <a:rPr lang="en-US" smtClean="0"/>
               <a:t>‹#›</a:t>
             </a:fld>
-            <a:endParaRPr lang="en-US"/>
+            <a:endParaRPr lang="en-US" dirty="0"/>
           </a:p>
         </p:txBody>
       </p:sp>
@@ -2779,7 +2779,7 @@
             </a:lvl9pPr>
           </a:lstStyle>
           <a:p>
-            <a:endParaRPr lang="en-US"/>
+            <a:endParaRPr lang="en-US" dirty="0"/>
           </a:p>
         </p:txBody>
       </p:sp>
@@ -2865,9 +2865,9 @@
           <a:p>
             <a:fld id="{4EB7D4DB-3C1C-47E0-AE73-99F3EFD53322}" type="datetimeFigureOut">
               <a:rPr lang="en-US" smtClean="0"/>
-              <a:t>4/19/2023</a:t>
+              <a:t>4/23/2023</a:t>
             </a:fld>
-            <a:endParaRPr lang="en-US"/>
+            <a:endParaRPr lang="en-US" dirty="0"/>
           </a:p>
         </p:txBody>
       </p:sp>
@@ -2886,7 +2886,7 @@
           <a:bodyPr/>
           <a:lstStyle/>
           <a:p>
-            <a:endParaRPr lang="en-US"/>
+            <a:endParaRPr lang="en-US" dirty="0"/>
           </a:p>
         </p:txBody>
       </p:sp>
@@ -2909,7 +2909,7 @@
               <a:rPr lang="en-US" smtClean="0"/>
               <a:t>‹#›</a:t>
             </a:fld>
-            <a:endParaRPr lang="en-US"/>
+            <a:endParaRPr lang="en-US" dirty="0"/>
           </a:p>
         </p:txBody>
       </p:sp>
@@ -3078,9 +3078,9 @@
           <a:p>
             <a:fld id="{4EB7D4DB-3C1C-47E0-AE73-99F3EFD53322}" type="datetimeFigureOut">
               <a:rPr lang="en-US" smtClean="0"/>
-              <a:t>4/19/2023</a:t>
+              <a:t>4/23/2023</a:t>
             </a:fld>
-            <a:endParaRPr lang="en-US"/>
+            <a:endParaRPr lang="en-US" dirty="0"/>
           </a:p>
         </p:txBody>
       </p:sp>
@@ -3117,7 +3117,7 @@
             </a:lvl1pPr>
           </a:lstStyle>
           <a:p>
-            <a:endParaRPr lang="en-US"/>
+            <a:endParaRPr lang="en-US" dirty="0"/>
           </a:p>
         </p:txBody>
       </p:sp>
@@ -3158,7 +3158,7 @@
               <a:rPr lang="en-US" smtClean="0"/>
               <a:t>‹#›</a:t>
             </a:fld>
-            <a:endParaRPr lang="en-US"/>
+            <a:endParaRPr lang="en-US" dirty="0"/>
           </a:p>
         </p:txBody>
       </p:sp>
@@ -3691,7 +3691,6 @@
               <a:rPr lang="en-US" sz="3200" b="1" dirty="0" smtClean="0"/>
               <a:t>Using SSH and a Self-Signed Certificate with GCP Compute Engine</a:t>
             </a:r>
-            <a:endParaRPr lang="en-US" sz="3200" b="1" dirty="0" smtClean="0"/>
           </a:p>
           <a:p>
             <a:pPr algn="ctr"/>
@@ -3793,43 +3792,23 @@
             </a:pPr>
             <a:r>
               <a:rPr lang="en-US" sz="1800" dirty="0"/>
-              <a:t>Although the Google Cloud Platform (GCP) provides an easy way to access </a:t>
+              <a:t>Although the Google Cloud Platform (GCP) provides an easy way to access a Compute Engine </a:t>
             </a:r>
             <a:r>
               <a:rPr lang="en-US" sz="1800" dirty="0" smtClean="0"/>
-              <a:t>a Compute </a:t>
+              <a:t>Virtual Machine </a:t>
             </a:r>
             <a:r>
               <a:rPr lang="en-US" sz="1800" dirty="0"/>
-              <a:t>Engine </a:t>
-            </a:r>
-            <a:r>
-              <a:rPr lang="en-US" sz="1800"/>
-              <a:t>Virtual </a:t>
-            </a:r>
-            <a:r>
-              <a:rPr lang="en-US" sz="1800" smtClean="0"/>
-              <a:t>Machines </a:t>
+              <a:t>(VM) through the GCP Console or the GCP SDK gcloud command line, there </a:t>
+            </a:r>
+            <a:r>
+              <a:rPr lang="en-US" sz="1800" dirty="0" smtClean="0"/>
+              <a:t>may be </a:t>
             </a:r>
             <a:r>
               <a:rPr lang="en-US" sz="1800" dirty="0"/>
-              <a:t>(VM</a:t>
-            </a:r>
-            <a:r>
-              <a:rPr lang="en-US" sz="1800"/>
-              <a:t>) </a:t>
-            </a:r>
-            <a:r>
-              <a:rPr lang="en-US" sz="1800" smtClean="0"/>
-              <a:t>either </a:t>
-            </a:r>
-            <a:r>
-              <a:rPr lang="en-US" sz="1800" dirty="0"/>
-              <a:t>through the GCP Console or the GCP SDK gcloud command line, there may be a use-case in which you would prefer to use ssh</a:t>
-            </a:r>
-            <a:r>
-              <a:rPr lang="en-US" sz="1800" dirty="0" smtClean="0"/>
-              <a:t>.</a:t>
+              <a:t>a use-case in which you would prefer to use ssh.</a:t>
             </a:r>
           </a:p>
           <a:p>
@@ -3844,26 +3823,16 @@
             </a:pPr>
             <a:r>
               <a:rPr lang="en-US" sz="1800" dirty="0"/>
-              <a:t>In this presentation we will show you how to </a:t>
+              <a:t>In this presentation we will show you how to configure a self-signed certificate and upload the </a:t>
             </a:r>
             <a:r>
               <a:rPr lang="en-US" sz="1800" dirty="0" smtClean="0"/>
-              <a:t>configure ssh </a:t>
+              <a:t>certificate metadata </a:t>
             </a:r>
             <a:r>
               <a:rPr lang="en-US" sz="1800" dirty="0"/>
-              <a:t>to login to a </a:t>
-            </a:r>
-            <a:r>
-              <a:rPr lang="en-US" sz="1800" dirty="0" smtClean="0"/>
-              <a:t>Compute Engine VM Instance.</a:t>
-            </a:r>
-            <a:endParaRPr lang="en-US" sz="1800" dirty="0" smtClean="0"/>
-          </a:p>
-          <a:p>
-            <a:pPr marL="0" indent="0">
-              <a:buNone/>
-            </a:pPr>
+              <a:t>to the GCP Compute Service so you can ssh to a Compute VM Instance</a:t>
+            </a:r>
             <a:endParaRPr lang="en-US" sz="1800" dirty="0" smtClean="0"/>
           </a:p>
         </p:txBody>
@@ -4015,13 +3984,24 @@
             </a:pPr>
             <a:r>
               <a:rPr lang="en-US" sz="1800" dirty="0" smtClean="0"/>
-              <a:t>In this lab </a:t>
+              <a:t>In this lab we’ll generate a self-signed certificate locally using ssh-gen.  Then modify the public key to fit the GCP </a:t>
             </a:r>
             <a:r>
               <a:rPr lang="en-US" sz="1800" dirty="0" smtClean="0"/>
-              <a:t>we’ll generate a self-signed certificate locally using ssh-gen.  Then modify the public key to fit the GCP Metadata requirement for certificates.  We’ll import it into the GCP Project Metadata section so it’s available automatically every time a GCP Compute VM Instance is created in the project.  </a:t>
-            </a:r>
-            <a:endParaRPr lang="en-US" sz="1800" dirty="0" smtClean="0"/>
+              <a:t>Compute Engine Metadata </a:t>
+            </a:r>
+            <a:r>
+              <a:rPr lang="en-US" sz="1800" dirty="0" smtClean="0"/>
+              <a:t>requirement for certificates.  We’ll import it into the GCP </a:t>
+            </a:r>
+            <a:r>
+              <a:rPr lang="en-US" sz="1800" dirty="0" smtClean="0"/>
+              <a:t>Compute Engine Settings/Metadata section </a:t>
+            </a:r>
+            <a:r>
+              <a:rPr lang="en-US" sz="1800" dirty="0" smtClean="0"/>
+              <a:t>so it’s available automatically every time a GCP Compute VM Instance is created in the project.  </a:t>
+            </a:r>
           </a:p>
           <a:p>
             <a:pPr marL="0" indent="0">
@@ -4035,25 +4015,20 @@
             </a:pPr>
             <a:r>
               <a:rPr lang="en-US" sz="1800" dirty="0"/>
-              <a:t>It’s pretty hard to experiment and work with something new if you can’t get the </a:t>
+              <a:t>Although I did find </a:t>
             </a:r>
             <a:r>
               <a:rPr lang="en-US" sz="1800" dirty="0" smtClean="0"/>
-              <a:t>basics.  I </a:t>
+              <a:t>documents </a:t>
             </a:r>
             <a:r>
               <a:rPr lang="en-US" sz="1800" dirty="0"/>
-              <a:t>developed a reliable, repeatable process to get you up and running  with </a:t>
+              <a:t>on </a:t>
             </a:r>
             <a:r>
               <a:rPr lang="en-US" sz="1800" dirty="0" smtClean="0"/>
-              <a:t>SSH Self-Signed certificates quickly</a:t>
-            </a:r>
-            <a:r>
-              <a:rPr lang="en-US" sz="1800" dirty="0" smtClean="0"/>
-              <a:t>.</a:t>
-            </a:r>
-            <a:endParaRPr lang="en-US" sz="1800" b="1" dirty="0" smtClean="0"/>
+              <a:t>using ssh to access GCP Compute Engine,  I spent way too much time getting this setup and working.  </a:t>
+            </a:r>
           </a:p>
           <a:p>
             <a:pPr marL="0" indent="0">
@@ -4071,11 +4046,7 @@
             </a:r>
             <a:r>
               <a:rPr lang="en-US" sz="1800" dirty="0" smtClean="0"/>
-              <a:t>Engine</a:t>
-            </a:r>
-            <a:r>
-              <a:rPr lang="en-US" sz="1800" dirty="0" smtClean="0"/>
-              <a:t>” in the reference section at the bottom of this presentation.  There’s a link there to a GitHub project which contains step by step instructions you’ll need.</a:t>
+              <a:t>Engine” in the reference section at the bottom of this presentation.  There’s a link there to a GitHub project which contains step by step instructions you’ll need.</a:t>
             </a:r>
             <a:endParaRPr lang="en-US" sz="1800" dirty="0"/>
           </a:p>
@@ -4225,21 +4196,13 @@
           <a:p>
             <a:r>
               <a:rPr lang="en-US" sz="1800" dirty="0" smtClean="0"/>
-              <a:t>You have a GCP </a:t>
-            </a:r>
+              <a:t>You have a GCP Account</a:t>
+            </a:r>
+          </a:p>
+          <a:p>
             <a:r>
               <a:rPr lang="en-US" sz="1800" dirty="0" smtClean="0"/>
-              <a:t>Account</a:t>
-            </a:r>
-          </a:p>
-          <a:p>
-            <a:r>
-              <a:rPr lang="en-US" sz="1800" dirty="0" smtClean="0"/>
-              <a:t>You have the GCP </a:t>
-            </a:r>
-            <a:r>
-              <a:rPr lang="en-US" sz="1800" dirty="0" smtClean="0"/>
-              <a:t>SDK installed</a:t>
+              <a:t>You have the GCP SDK installed</a:t>
             </a:r>
             <a:r>
               <a:rPr lang="en-US" sz="1800" dirty="0"/>
@@ -4247,17 +4210,8 @@
             </a:r>
             <a:r>
               <a:rPr lang="en-US" sz="1800" dirty="0" smtClean="0"/>
-              <a:t>locally and </a:t>
-            </a:r>
-            <a:r>
-              <a:rPr lang="en-US" sz="1800" dirty="0" smtClean="0"/>
-              <a:t>configured to access the GCP </a:t>
-            </a:r>
-            <a:r>
-              <a:rPr lang="en-US" sz="1800" dirty="0" smtClean="0"/>
-              <a:t>Cloud  </a:t>
-            </a:r>
-            <a:endParaRPr lang="en-US" sz="1800" dirty="0" smtClean="0"/>
+              <a:t>locally and configured to access the GCP Cloud  </a:t>
+            </a:r>
           </a:p>
         </p:txBody>
       </p:sp>
@@ -4382,7 +4336,7 @@
         <p:spPr>
           <a:xfrm>
             <a:off x="474955" y="1471474"/>
-            <a:ext cx="7772400" cy="2585323"/>
+            <a:ext cx="7772400" cy="3139321"/>
           </a:xfrm>
           <a:prstGeom prst="rect">
             <a:avLst/>
@@ -4455,6 +4409,12 @@
               </a:rPr>
               <a:t>github.com/kskalvar/gcp-compute-ssh-self-signed-certificate</a:t>
             </a:r>
+            <a:endParaRPr lang="en-US" dirty="0" smtClean="0"/>
+          </a:p>
+          <a:p>
+            <a:endParaRPr lang="en-US"/>
+          </a:p>
+          <a:p>
             <a:endParaRPr lang="en-US" dirty="0" smtClean="0"/>
           </a:p>
           <a:p>

--- a/GCP Compute ssh Self-Signed-Certificate.pptx
+++ b/GCP Compute ssh Self-Signed-Certificate.pptx
@@ -3984,24 +3984,37 @@
             </a:pPr>
             <a:r>
               <a:rPr lang="en-US" sz="1800" dirty="0" smtClean="0"/>
-              <a:t>In this lab we’ll generate a self-signed certificate locally using ssh-gen.  Then modify the public key to fit the GCP </a:t>
+              <a:t>In this lab we’ll generate a </a:t>
             </a:r>
             <a:r>
               <a:rPr lang="en-US" sz="1800" dirty="0" smtClean="0"/>
-              <a:t>Compute Engine Metadata </a:t>
+              <a:t>certificate </a:t>
             </a:r>
             <a:r>
               <a:rPr lang="en-US" sz="1800" dirty="0" smtClean="0"/>
-              <a:t>requirement for certificates.  We’ll import it into the GCP </a:t>
+              <a:t>locally using ssh-gen.  Then modify the public key to fit the GCP Compute Engine Metadata requirement for certificates.  We’ll import it into the GCP </a:t>
+            </a:r>
+            <a:r>
+              <a:rPr lang="en-US" sz="1800" smtClean="0"/>
+              <a:t>Compute </a:t>
+            </a:r>
+            <a:r>
+              <a:rPr lang="en-US" sz="1800" smtClean="0"/>
+              <a:t>Engine/Settings/Metadata/SSH </a:t>
             </a:r>
             <a:r>
               <a:rPr lang="en-US" sz="1800" dirty="0" smtClean="0"/>
-              <a:t>Compute Engine Settings/Metadata section </a:t>
+              <a:t>KEYS </a:t>
             </a:r>
             <a:r>
               <a:rPr lang="en-US" sz="1800" dirty="0" smtClean="0"/>
-              <a:t>so it’s available automatically every time a GCP Compute VM Instance is created in the project.  </a:t>
-            </a:r>
+              <a:t>section so it’s available automatically every time a GCP Compute VM Instance is created in the project. </a:t>
+            </a:r>
+            <a:r>
+              <a:rPr lang="en-US" sz="1800" dirty="0" smtClean="0"/>
+              <a:t>  We can then use ssh to login to the VM Instance using the private key we created. </a:t>
+            </a:r>
+            <a:endParaRPr lang="en-US" sz="1800" dirty="0" smtClean="0"/>
           </a:p>
           <a:p>
             <a:pPr marL="0" indent="0">

--- a/GCP Compute ssh Self-Signed-Certificate.pptx
+++ b/GCP Compute ssh Self-Signed-Certificate.pptx
@@ -197,7 +197,7 @@
           <a:p>
             <a:fld id="{42220474-7C62-44B7-B8E5-673F865CFD35}" type="datetimeFigureOut">
               <a:rPr lang="en-US" smtClean="0"/>
-              <a:t>4/23/2023</a:t>
+              <a:t>4/30/2023</a:t>
             </a:fld>
             <a:endParaRPr lang="en-US" dirty="0"/>
           </a:p>
@@ -646,7 +646,7 @@
           <a:p>
             <a:fld id="{4EB7D4DB-3C1C-47E0-AE73-99F3EFD53322}" type="datetimeFigureOut">
               <a:rPr lang="en-US" smtClean="0"/>
-              <a:t>4/23/2023</a:t>
+              <a:t>4/30/2023</a:t>
             </a:fld>
             <a:endParaRPr lang="en-US" dirty="0"/>
           </a:p>
@@ -816,7 +816,7 @@
           <a:p>
             <a:fld id="{4EB7D4DB-3C1C-47E0-AE73-99F3EFD53322}" type="datetimeFigureOut">
               <a:rPr lang="en-US" smtClean="0"/>
-              <a:t>4/23/2023</a:t>
+              <a:t>4/30/2023</a:t>
             </a:fld>
             <a:endParaRPr lang="en-US" dirty="0"/>
           </a:p>
@@ -996,7 +996,7 @@
           <a:p>
             <a:fld id="{4EB7D4DB-3C1C-47E0-AE73-99F3EFD53322}" type="datetimeFigureOut">
               <a:rPr lang="en-US" smtClean="0"/>
-              <a:t>4/23/2023</a:t>
+              <a:t>4/30/2023</a:t>
             </a:fld>
             <a:endParaRPr lang="en-US" dirty="0"/>
           </a:p>
@@ -1166,7 +1166,7 @@
           <a:p>
             <a:fld id="{4EB7D4DB-3C1C-47E0-AE73-99F3EFD53322}" type="datetimeFigureOut">
               <a:rPr lang="en-US" smtClean="0"/>
-              <a:t>4/23/2023</a:t>
+              <a:t>4/30/2023</a:t>
             </a:fld>
             <a:endParaRPr lang="en-US" dirty="0"/>
           </a:p>
@@ -1412,7 +1412,7 @@
           <a:p>
             <a:fld id="{4EB7D4DB-3C1C-47E0-AE73-99F3EFD53322}" type="datetimeFigureOut">
               <a:rPr lang="en-US" smtClean="0"/>
-              <a:t>4/23/2023</a:t>
+              <a:t>4/30/2023</a:t>
             </a:fld>
             <a:endParaRPr lang="en-US" dirty="0"/>
           </a:p>
@@ -1700,7 +1700,7 @@
           <a:p>
             <a:fld id="{4EB7D4DB-3C1C-47E0-AE73-99F3EFD53322}" type="datetimeFigureOut">
               <a:rPr lang="en-US" smtClean="0"/>
-              <a:t>4/23/2023</a:t>
+              <a:t>4/30/2023</a:t>
             </a:fld>
             <a:endParaRPr lang="en-US" dirty="0"/>
           </a:p>
@@ -2122,7 +2122,7 @@
           <a:p>
             <a:fld id="{4EB7D4DB-3C1C-47E0-AE73-99F3EFD53322}" type="datetimeFigureOut">
               <a:rPr lang="en-US" smtClean="0"/>
-              <a:t>4/23/2023</a:t>
+              <a:t>4/30/2023</a:t>
             </a:fld>
             <a:endParaRPr lang="en-US" dirty="0"/>
           </a:p>
@@ -2240,7 +2240,7 @@
           <a:p>
             <a:fld id="{4EB7D4DB-3C1C-47E0-AE73-99F3EFD53322}" type="datetimeFigureOut">
               <a:rPr lang="en-US" smtClean="0"/>
-              <a:t>4/23/2023</a:t>
+              <a:t>4/30/2023</a:t>
             </a:fld>
             <a:endParaRPr lang="en-US" dirty="0"/>
           </a:p>
@@ -2335,7 +2335,7 @@
           <a:p>
             <a:fld id="{4EB7D4DB-3C1C-47E0-AE73-99F3EFD53322}" type="datetimeFigureOut">
               <a:rPr lang="en-US" smtClean="0"/>
-              <a:t>4/23/2023</a:t>
+              <a:t>4/30/2023</a:t>
             </a:fld>
             <a:endParaRPr lang="en-US" dirty="0"/>
           </a:p>
@@ -2612,7 +2612,7 @@
           <a:p>
             <a:fld id="{4EB7D4DB-3C1C-47E0-AE73-99F3EFD53322}" type="datetimeFigureOut">
               <a:rPr lang="en-US" smtClean="0"/>
-              <a:t>4/23/2023</a:t>
+              <a:t>4/30/2023</a:t>
             </a:fld>
             <a:endParaRPr lang="en-US" dirty="0"/>
           </a:p>
@@ -2865,7 +2865,7 @@
           <a:p>
             <a:fld id="{4EB7D4DB-3C1C-47E0-AE73-99F3EFD53322}" type="datetimeFigureOut">
               <a:rPr lang="en-US" smtClean="0"/>
-              <a:t>4/23/2023</a:t>
+              <a:t>4/30/2023</a:t>
             </a:fld>
             <a:endParaRPr lang="en-US" dirty="0"/>
           </a:p>
@@ -3078,7 +3078,7 @@
           <a:p>
             <a:fld id="{4EB7D4DB-3C1C-47E0-AE73-99F3EFD53322}" type="datetimeFigureOut">
               <a:rPr lang="en-US" smtClean="0"/>
-              <a:t>4/23/2023</a:t>
+              <a:t>4/30/2023</a:t>
             </a:fld>
             <a:endParaRPr lang="en-US" dirty="0"/>
           </a:p>
@@ -3984,37 +3984,16 @@
             </a:pPr>
             <a:r>
               <a:rPr lang="en-US" sz="1800" dirty="0" smtClean="0"/>
-              <a:t>In this lab we’ll generate a </a:t>
+              <a:t>In this lab we’ll generate a certificate locally using ssh-gen.  Then modify the public key to fit the GCP Compute Engine Metadata requirement for certificates.  We’ll import it into the GCP </a:t>
+            </a:r>
+            <a:r>
+              <a:rPr lang="en-US" sz="1800" smtClean="0"/>
+              <a:t>Compute Engine/Settings/Metadata/SSH </a:t>
             </a:r>
             <a:r>
               <a:rPr lang="en-US" sz="1800" dirty="0" smtClean="0"/>
-              <a:t>certificate </a:t>
-            </a:r>
-            <a:r>
-              <a:rPr lang="en-US" sz="1800" dirty="0" smtClean="0"/>
-              <a:t>locally using ssh-gen.  Then modify the public key to fit the GCP Compute Engine Metadata requirement for certificates.  We’ll import it into the GCP </a:t>
-            </a:r>
-            <a:r>
-              <a:rPr lang="en-US" sz="1800" smtClean="0"/>
-              <a:t>Compute </a:t>
-            </a:r>
-            <a:r>
-              <a:rPr lang="en-US" sz="1800" smtClean="0"/>
-              <a:t>Engine/Settings/Metadata/SSH </a:t>
-            </a:r>
-            <a:r>
-              <a:rPr lang="en-US" sz="1800" dirty="0" smtClean="0"/>
-              <a:t>KEYS </a:t>
-            </a:r>
-            <a:r>
-              <a:rPr lang="en-US" sz="1800" dirty="0" smtClean="0"/>
-              <a:t>section so it’s available automatically every time a GCP Compute VM Instance is created in the project. </a:t>
-            </a:r>
-            <a:r>
-              <a:rPr lang="en-US" sz="1800" dirty="0" smtClean="0"/>
-              <a:t>  We can then use ssh to login to the VM Instance using the private key we created. </a:t>
-            </a:r>
-            <a:endParaRPr lang="en-US" sz="1800" dirty="0" smtClean="0"/>
+              <a:t>KEYS section so it’s available automatically every time a GCP Compute VM Instance is created in the project.   We can then use ssh to login to the VM Instance using the private key we created. </a:t>
+            </a:r>
           </a:p>
           <a:p>
             <a:pPr marL="0" indent="0">
@@ -4425,12 +4404,30 @@
             <a:endParaRPr lang="en-US" dirty="0" smtClean="0"/>
           </a:p>
           <a:p>
-            <a:endParaRPr lang="en-US"/>
-          </a:p>
-          <a:p>
-            <a:endParaRPr lang="en-US" dirty="0" smtClean="0"/>
-          </a:p>
-          <a:p>
+            <a:endParaRPr lang="en-US" dirty="0"/>
+          </a:p>
+          <a:p>
+            <a:r>
+              <a:rPr lang="en-US" smtClean="0"/>
+              <a:t>Using </a:t>
+            </a:r>
+            <a:r>
+              <a:rPr lang="en-US" dirty="0"/>
+              <a:t>SSH and a Self-Signed Certificate with GCP Compute Engine Presentation</a:t>
+            </a:r>
+            <a:r>
+              <a:rPr lang="en-US" dirty="0"/>
+              <a:t/>
+            </a:r>
+            <a:br>
+              <a:rPr lang="en-US" dirty="0"/>
+            </a:br>
+            <a:r>
+              <a:rPr lang="en-US" dirty="0">
+                <a:hlinkClick r:id="rId4"/>
+              </a:rPr>
+              <a:t>https://www.youtube.com/@kal_technology/videos</a:t>
+            </a:r>
             <a:endParaRPr lang="en-US" dirty="0" smtClean="0"/>
           </a:p>
           <a:p>
@@ -4461,7 +4458,7 @@
             <p:nvPr/>
           </p:nvPicPr>
           <p:blipFill>
-            <a:blip r:embed="rId4">
+            <a:blip r:embed="rId5">
               <a:extLst>
                 <a:ext uri="{28A0092B-C50C-407E-A947-70E740481C1C}">
                   <a14:useLocalDpi xmlns:a14="http://schemas.microsoft.com/office/drawing/2010/main" val="0"/>

--- a/GCP Compute ssh Self-Signed-Certificate.pptx
+++ b/GCP Compute ssh Self-Signed-Certificate.pptx
@@ -5,7 +5,7 @@
     <p:sldMasterId id="2147483648" r:id="rId1"/>
   </p:sldMasterIdLst>
   <p:notesMasterIdLst>
-    <p:notesMasterId r:id="rId8"/>
+    <p:notesMasterId r:id="rId7"/>
   </p:notesMasterIdLst>
   <p:sldIdLst>
     <p:sldId id="256" r:id="rId2"/>
@@ -13,7 +13,6 @@
     <p:sldId id="262" r:id="rId4"/>
     <p:sldId id="259" r:id="rId5"/>
     <p:sldId id="257" r:id="rId6"/>
-    <p:sldId id="265" r:id="rId7"/>
   </p:sldIdLst>
   <p:sldSz cx="9144000" cy="6858000" type="screen4x3"/>
   <p:notesSz cx="6858000" cy="9144000"/>
@@ -197,7 +196,7 @@
           <a:p>
             <a:fld id="{42220474-7C62-44B7-B8E5-673F865CFD35}" type="datetimeFigureOut">
               <a:rPr lang="en-US" smtClean="0"/>
-              <a:t>4/30/2023</a:t>
+              <a:t>5/3/2023</a:t>
             </a:fld>
             <a:endParaRPr lang="en-US" dirty="0"/>
           </a:p>
@@ -646,7 +645,7 @@
           <a:p>
             <a:fld id="{4EB7D4DB-3C1C-47E0-AE73-99F3EFD53322}" type="datetimeFigureOut">
               <a:rPr lang="en-US" smtClean="0"/>
-              <a:t>4/30/2023</a:t>
+              <a:t>5/3/2023</a:t>
             </a:fld>
             <a:endParaRPr lang="en-US" dirty="0"/>
           </a:p>
@@ -816,7 +815,7 @@
           <a:p>
             <a:fld id="{4EB7D4DB-3C1C-47E0-AE73-99F3EFD53322}" type="datetimeFigureOut">
               <a:rPr lang="en-US" smtClean="0"/>
-              <a:t>4/30/2023</a:t>
+              <a:t>5/3/2023</a:t>
             </a:fld>
             <a:endParaRPr lang="en-US" dirty="0"/>
           </a:p>
@@ -996,7 +995,7 @@
           <a:p>
             <a:fld id="{4EB7D4DB-3C1C-47E0-AE73-99F3EFD53322}" type="datetimeFigureOut">
               <a:rPr lang="en-US" smtClean="0"/>
-              <a:t>4/30/2023</a:t>
+              <a:t>5/3/2023</a:t>
             </a:fld>
             <a:endParaRPr lang="en-US" dirty="0"/>
           </a:p>
@@ -1166,7 +1165,7 @@
           <a:p>
             <a:fld id="{4EB7D4DB-3C1C-47E0-AE73-99F3EFD53322}" type="datetimeFigureOut">
               <a:rPr lang="en-US" smtClean="0"/>
-              <a:t>4/30/2023</a:t>
+              <a:t>5/3/2023</a:t>
             </a:fld>
             <a:endParaRPr lang="en-US" dirty="0"/>
           </a:p>
@@ -1412,7 +1411,7 @@
           <a:p>
             <a:fld id="{4EB7D4DB-3C1C-47E0-AE73-99F3EFD53322}" type="datetimeFigureOut">
               <a:rPr lang="en-US" smtClean="0"/>
-              <a:t>4/30/2023</a:t>
+              <a:t>5/3/2023</a:t>
             </a:fld>
             <a:endParaRPr lang="en-US" dirty="0"/>
           </a:p>
@@ -1700,7 +1699,7 @@
           <a:p>
             <a:fld id="{4EB7D4DB-3C1C-47E0-AE73-99F3EFD53322}" type="datetimeFigureOut">
               <a:rPr lang="en-US" smtClean="0"/>
-              <a:t>4/30/2023</a:t>
+              <a:t>5/3/2023</a:t>
             </a:fld>
             <a:endParaRPr lang="en-US" dirty="0"/>
           </a:p>
@@ -2122,7 +2121,7 @@
           <a:p>
             <a:fld id="{4EB7D4DB-3C1C-47E0-AE73-99F3EFD53322}" type="datetimeFigureOut">
               <a:rPr lang="en-US" smtClean="0"/>
-              <a:t>4/30/2023</a:t>
+              <a:t>5/3/2023</a:t>
             </a:fld>
             <a:endParaRPr lang="en-US" dirty="0"/>
           </a:p>
@@ -2240,7 +2239,7 @@
           <a:p>
             <a:fld id="{4EB7D4DB-3C1C-47E0-AE73-99F3EFD53322}" type="datetimeFigureOut">
               <a:rPr lang="en-US" smtClean="0"/>
-              <a:t>4/30/2023</a:t>
+              <a:t>5/3/2023</a:t>
             </a:fld>
             <a:endParaRPr lang="en-US" dirty="0"/>
           </a:p>
@@ -2335,7 +2334,7 @@
           <a:p>
             <a:fld id="{4EB7D4DB-3C1C-47E0-AE73-99F3EFD53322}" type="datetimeFigureOut">
               <a:rPr lang="en-US" smtClean="0"/>
-              <a:t>4/30/2023</a:t>
+              <a:t>5/3/2023</a:t>
             </a:fld>
             <a:endParaRPr lang="en-US" dirty="0"/>
           </a:p>
@@ -2612,7 +2611,7 @@
           <a:p>
             <a:fld id="{4EB7D4DB-3C1C-47E0-AE73-99F3EFD53322}" type="datetimeFigureOut">
               <a:rPr lang="en-US" smtClean="0"/>
-              <a:t>4/30/2023</a:t>
+              <a:t>5/3/2023</a:t>
             </a:fld>
             <a:endParaRPr lang="en-US" dirty="0"/>
           </a:p>
@@ -2865,7 +2864,7 @@
           <a:p>
             <a:fld id="{4EB7D4DB-3C1C-47E0-AE73-99F3EFD53322}" type="datetimeFigureOut">
               <a:rPr lang="en-US" smtClean="0"/>
-              <a:t>4/30/2023</a:t>
+              <a:t>5/3/2023</a:t>
             </a:fld>
             <a:endParaRPr lang="en-US" dirty="0"/>
           </a:p>
@@ -3078,7 +3077,7 @@
           <a:p>
             <a:fld id="{4EB7D4DB-3C1C-47E0-AE73-99F3EFD53322}" type="datetimeFigureOut">
               <a:rPr lang="en-US" smtClean="0"/>
-              <a:t>4/30/2023</a:t>
+              <a:t>5/3/2023</a:t>
             </a:fld>
             <a:endParaRPr lang="en-US" dirty="0"/>
           </a:p>
@@ -4415,10 +4414,6 @@
               <a:rPr lang="en-US" dirty="0"/>
               <a:t>SSH and a Self-Signed Certificate with GCP Compute Engine Presentation</a:t>
             </a:r>
-            <a:r>
-              <a:rPr lang="en-US" dirty="0"/>
-              <a:t/>
-            </a:r>
             <a:br>
               <a:rPr lang="en-US" dirty="0"/>
             </a:br>
@@ -4514,140 +4509,6 @@
     <p:extLst>
       <p:ext uri="{BB962C8B-B14F-4D97-AF65-F5344CB8AC3E}">
         <p14:creationId xmlns:p14="http://schemas.microsoft.com/office/powerpoint/2010/main" val="2692721874"/>
-      </p:ext>
-    </p:extLst>
-  </p:cSld>
-  <p:clrMapOvr>
-    <a:masterClrMapping/>
-  </p:clrMapOvr>
-  <p:timing>
-    <p:tnLst>
-      <p:par>
-        <p:cTn id="1" dur="indefinite" restart="never" nodeType="tmRoot"/>
-      </p:par>
-    </p:tnLst>
-  </p:timing>
-</p:sld>
-</file>
-
-<file path=ppt/slides/slide6.xml><?xml version="1.0" encoding="utf-8"?>
-<p:sld xmlns:a="http://schemas.openxmlformats.org/drawingml/2006/main" xmlns:r="http://schemas.openxmlformats.org/officeDocument/2006/relationships" xmlns:p="http://schemas.openxmlformats.org/presentationml/2006/main">
-  <p:cSld>
-    <p:spTree>
-      <p:nvGrpSpPr>
-        <p:cNvPr id="1" name=""/>
-        <p:cNvGrpSpPr/>
-        <p:nvPr/>
-      </p:nvGrpSpPr>
-      <p:grpSpPr>
-        <a:xfrm>
-          <a:off x="0" y="0"/>
-          <a:ext cx="0" cy="0"/>
-          <a:chOff x="0" y="0"/>
-          <a:chExt cx="0" cy="0"/>
-        </a:xfrm>
-      </p:grpSpPr>
-      <p:sp>
-        <p:nvSpPr>
-          <p:cNvPr id="3" name="Content Placeholder 2"/>
-          <p:cNvSpPr>
-            <a:spLocks noGrp="1"/>
-          </p:cNvSpPr>
-          <p:nvPr>
-            <p:ph idx="1"/>
-          </p:nvPr>
-        </p:nvSpPr>
-        <p:spPr/>
-        <p:txBody>
-          <a:bodyPr/>
-          <a:lstStyle/>
-          <a:p>
-            <a:pPr marL="0" indent="0">
-              <a:buNone/>
-            </a:pPr>
-            <a:endParaRPr lang="en-US" sz="1800" dirty="0" smtClean="0"/>
-          </a:p>
-        </p:txBody>
-      </p:sp>
-      <p:grpSp>
-        <p:nvGrpSpPr>
-          <p:cNvPr id="6" name="Group 5"/>
-          <p:cNvGrpSpPr/>
-          <p:nvPr/>
-        </p:nvGrpSpPr>
-        <p:grpSpPr>
-          <a:xfrm>
-            <a:off x="1371600" y="218979"/>
-            <a:ext cx="6358554" cy="762000"/>
-            <a:chOff x="609601" y="220462"/>
-            <a:chExt cx="4793543" cy="762000"/>
-          </a:xfrm>
-        </p:grpSpPr>
-        <p:pic>
-          <p:nvPicPr>
-            <p:cNvPr id="7" name="Picture 6"/>
-            <p:cNvPicPr>
-              <a:picLocks noChangeAspect="1"/>
-            </p:cNvPicPr>
-            <p:nvPr/>
-          </p:nvPicPr>
-          <p:blipFill>
-            <a:blip r:embed="rId2">
-              <a:extLst>
-                <a:ext uri="{28A0092B-C50C-407E-A947-70E740481C1C}">
-                  <a14:useLocalDpi xmlns:a14="http://schemas.microsoft.com/office/drawing/2010/main" val="0"/>
-                </a:ext>
-              </a:extLst>
-            </a:blip>
-            <a:stretch>
-              <a:fillRect/>
-            </a:stretch>
-          </p:blipFill>
-          <p:spPr>
-            <a:xfrm>
-              <a:off x="609601" y="220462"/>
-              <a:ext cx="861676" cy="762000"/>
-            </a:xfrm>
-            <a:prstGeom prst="rect">
-              <a:avLst/>
-            </a:prstGeom>
-          </p:spPr>
-        </p:pic>
-        <p:sp>
-          <p:nvSpPr>
-            <p:cNvPr id="8" name="TextBox 7"/>
-            <p:cNvSpPr txBox="1"/>
-            <p:nvPr/>
-          </p:nvSpPr>
-          <p:spPr>
-            <a:xfrm>
-              <a:off x="1528722" y="285820"/>
-              <a:ext cx="3874422" cy="584775"/>
-            </a:xfrm>
-            <a:prstGeom prst="rect">
-              <a:avLst/>
-            </a:prstGeom>
-            <a:noFill/>
-          </p:spPr>
-          <p:txBody>
-            <a:bodyPr wrap="none" rtlCol="0">
-              <a:spAutoFit/>
-            </a:bodyPr>
-            <a:lstStyle/>
-            <a:p>
-              <a:r>
-                <a:rPr lang="en-US" sz="3200" b="1" dirty="0" smtClean="0"/>
-                <a:t>KAL Technology IT Consulting</a:t>
-              </a:r>
-              <a:endParaRPr lang="en-US" sz="3200" b="1" dirty="0"/>
-            </a:p>
-          </p:txBody>
-        </p:sp>
-      </p:grpSp>
-    </p:spTree>
-    <p:extLst>
-      <p:ext uri="{BB962C8B-B14F-4D97-AF65-F5344CB8AC3E}">
-        <p14:creationId xmlns:p14="http://schemas.microsoft.com/office/powerpoint/2010/main" val="190042164"/>
       </p:ext>
     </p:extLst>
   </p:cSld>

--- a/GCP Compute ssh Self-Signed-Certificate.pptx
+++ b/GCP Compute ssh Self-Signed-Certificate.pptx
@@ -196,7 +196,7 @@
           <a:p>
             <a:fld id="{42220474-7C62-44B7-B8E5-673F865CFD35}" type="datetimeFigureOut">
               <a:rPr lang="en-US" smtClean="0"/>
-              <a:t>5/3/2023</a:t>
+              <a:t>5/6/2023</a:t>
             </a:fld>
             <a:endParaRPr lang="en-US" dirty="0"/>
           </a:p>
@@ -645,7 +645,7 @@
           <a:p>
             <a:fld id="{4EB7D4DB-3C1C-47E0-AE73-99F3EFD53322}" type="datetimeFigureOut">
               <a:rPr lang="en-US" smtClean="0"/>
-              <a:t>5/3/2023</a:t>
+              <a:t>5/6/2023</a:t>
             </a:fld>
             <a:endParaRPr lang="en-US" dirty="0"/>
           </a:p>
@@ -815,7 +815,7 @@
           <a:p>
             <a:fld id="{4EB7D4DB-3C1C-47E0-AE73-99F3EFD53322}" type="datetimeFigureOut">
               <a:rPr lang="en-US" smtClean="0"/>
-              <a:t>5/3/2023</a:t>
+              <a:t>5/6/2023</a:t>
             </a:fld>
             <a:endParaRPr lang="en-US" dirty="0"/>
           </a:p>
@@ -995,7 +995,7 @@
           <a:p>
             <a:fld id="{4EB7D4DB-3C1C-47E0-AE73-99F3EFD53322}" type="datetimeFigureOut">
               <a:rPr lang="en-US" smtClean="0"/>
-              <a:t>5/3/2023</a:t>
+              <a:t>5/6/2023</a:t>
             </a:fld>
             <a:endParaRPr lang="en-US" dirty="0"/>
           </a:p>
@@ -1165,7 +1165,7 @@
           <a:p>
             <a:fld id="{4EB7D4DB-3C1C-47E0-AE73-99F3EFD53322}" type="datetimeFigureOut">
               <a:rPr lang="en-US" smtClean="0"/>
-              <a:t>5/3/2023</a:t>
+              <a:t>5/6/2023</a:t>
             </a:fld>
             <a:endParaRPr lang="en-US" dirty="0"/>
           </a:p>
@@ -1411,7 +1411,7 @@
           <a:p>
             <a:fld id="{4EB7D4DB-3C1C-47E0-AE73-99F3EFD53322}" type="datetimeFigureOut">
               <a:rPr lang="en-US" smtClean="0"/>
-              <a:t>5/3/2023</a:t>
+              <a:t>5/6/2023</a:t>
             </a:fld>
             <a:endParaRPr lang="en-US" dirty="0"/>
           </a:p>
@@ -1699,7 +1699,7 @@
           <a:p>
             <a:fld id="{4EB7D4DB-3C1C-47E0-AE73-99F3EFD53322}" type="datetimeFigureOut">
               <a:rPr lang="en-US" smtClean="0"/>
-              <a:t>5/3/2023</a:t>
+              <a:t>5/6/2023</a:t>
             </a:fld>
             <a:endParaRPr lang="en-US" dirty="0"/>
           </a:p>
@@ -2121,7 +2121,7 @@
           <a:p>
             <a:fld id="{4EB7D4DB-3C1C-47E0-AE73-99F3EFD53322}" type="datetimeFigureOut">
               <a:rPr lang="en-US" smtClean="0"/>
-              <a:t>5/3/2023</a:t>
+              <a:t>5/6/2023</a:t>
             </a:fld>
             <a:endParaRPr lang="en-US" dirty="0"/>
           </a:p>
@@ -2239,7 +2239,7 @@
           <a:p>
             <a:fld id="{4EB7D4DB-3C1C-47E0-AE73-99F3EFD53322}" type="datetimeFigureOut">
               <a:rPr lang="en-US" smtClean="0"/>
-              <a:t>5/3/2023</a:t>
+              <a:t>5/6/2023</a:t>
             </a:fld>
             <a:endParaRPr lang="en-US" dirty="0"/>
           </a:p>
@@ -2334,7 +2334,7 @@
           <a:p>
             <a:fld id="{4EB7D4DB-3C1C-47E0-AE73-99F3EFD53322}" type="datetimeFigureOut">
               <a:rPr lang="en-US" smtClean="0"/>
-              <a:t>5/3/2023</a:t>
+              <a:t>5/6/2023</a:t>
             </a:fld>
             <a:endParaRPr lang="en-US" dirty="0"/>
           </a:p>
@@ -2611,7 +2611,7 @@
           <a:p>
             <a:fld id="{4EB7D4DB-3C1C-47E0-AE73-99F3EFD53322}" type="datetimeFigureOut">
               <a:rPr lang="en-US" smtClean="0"/>
-              <a:t>5/3/2023</a:t>
+              <a:t>5/6/2023</a:t>
             </a:fld>
             <a:endParaRPr lang="en-US" dirty="0"/>
           </a:p>
@@ -2864,7 +2864,7 @@
           <a:p>
             <a:fld id="{4EB7D4DB-3C1C-47E0-AE73-99F3EFD53322}" type="datetimeFigureOut">
               <a:rPr lang="en-US" smtClean="0"/>
-              <a:t>5/3/2023</a:t>
+              <a:t>5/6/2023</a:t>
             </a:fld>
             <a:endParaRPr lang="en-US" dirty="0"/>
           </a:p>
@@ -3077,7 +3077,7 @@
           <a:p>
             <a:fld id="{4EB7D4DB-3C1C-47E0-AE73-99F3EFD53322}" type="datetimeFigureOut">
               <a:rPr lang="en-US" smtClean="0"/>
-              <a:t>5/3/2023</a:t>
+              <a:t>5/6/2023</a:t>
             </a:fld>
             <a:endParaRPr lang="en-US" dirty="0"/>
           </a:p>
@@ -3790,8 +3790,12 @@
               <a:buNone/>
             </a:pPr>
             <a:r>
+              <a:rPr lang="en-US" sz="1800" dirty="0" smtClean="0"/>
+              <a:t>Google </a:t>
+            </a:r>
+            <a:r>
               <a:rPr lang="en-US" sz="1800" dirty="0"/>
-              <a:t>Although the Google Cloud Platform (GCP) provides an easy way to access a Compute Engine </a:t>
+              <a:t>Cloud Platform (GCP) provides an easy way to access a Compute Engine </a:t>
             </a:r>
             <a:r>
               <a:rPr lang="en-US" sz="1800" dirty="0" smtClean="0"/>

--- a/GCP Compute ssh Self-Signed-Certificate.pptx
+++ b/GCP Compute ssh Self-Signed-Certificate.pptx
@@ -196,7 +196,7 @@
           <a:p>
             <a:fld id="{42220474-7C62-44B7-B8E5-673F865CFD35}" type="datetimeFigureOut">
               <a:rPr lang="en-US" smtClean="0"/>
-              <a:t>5/6/2023</a:t>
+              <a:t>5/9/2023</a:t>
             </a:fld>
             <a:endParaRPr lang="en-US" dirty="0"/>
           </a:p>
@@ -645,7 +645,7 @@
           <a:p>
             <a:fld id="{4EB7D4DB-3C1C-47E0-AE73-99F3EFD53322}" type="datetimeFigureOut">
               <a:rPr lang="en-US" smtClean="0"/>
-              <a:t>5/6/2023</a:t>
+              <a:t>5/9/2023</a:t>
             </a:fld>
             <a:endParaRPr lang="en-US" dirty="0"/>
           </a:p>
@@ -815,7 +815,7 @@
           <a:p>
             <a:fld id="{4EB7D4DB-3C1C-47E0-AE73-99F3EFD53322}" type="datetimeFigureOut">
               <a:rPr lang="en-US" smtClean="0"/>
-              <a:t>5/6/2023</a:t>
+              <a:t>5/9/2023</a:t>
             </a:fld>
             <a:endParaRPr lang="en-US" dirty="0"/>
           </a:p>
@@ -995,7 +995,7 @@
           <a:p>
             <a:fld id="{4EB7D4DB-3C1C-47E0-AE73-99F3EFD53322}" type="datetimeFigureOut">
               <a:rPr lang="en-US" smtClean="0"/>
-              <a:t>5/6/2023</a:t>
+              <a:t>5/9/2023</a:t>
             </a:fld>
             <a:endParaRPr lang="en-US" dirty="0"/>
           </a:p>
@@ -1165,7 +1165,7 @@
           <a:p>
             <a:fld id="{4EB7D4DB-3C1C-47E0-AE73-99F3EFD53322}" type="datetimeFigureOut">
               <a:rPr lang="en-US" smtClean="0"/>
-              <a:t>5/6/2023</a:t>
+              <a:t>5/9/2023</a:t>
             </a:fld>
             <a:endParaRPr lang="en-US" dirty="0"/>
           </a:p>
@@ -1411,7 +1411,7 @@
           <a:p>
             <a:fld id="{4EB7D4DB-3C1C-47E0-AE73-99F3EFD53322}" type="datetimeFigureOut">
               <a:rPr lang="en-US" smtClean="0"/>
-              <a:t>5/6/2023</a:t>
+              <a:t>5/9/2023</a:t>
             </a:fld>
             <a:endParaRPr lang="en-US" dirty="0"/>
           </a:p>
@@ -1699,7 +1699,7 @@
           <a:p>
             <a:fld id="{4EB7D4DB-3C1C-47E0-AE73-99F3EFD53322}" type="datetimeFigureOut">
               <a:rPr lang="en-US" smtClean="0"/>
-              <a:t>5/6/2023</a:t>
+              <a:t>5/9/2023</a:t>
             </a:fld>
             <a:endParaRPr lang="en-US" dirty="0"/>
           </a:p>
@@ -2121,7 +2121,7 @@
           <a:p>
             <a:fld id="{4EB7D4DB-3C1C-47E0-AE73-99F3EFD53322}" type="datetimeFigureOut">
               <a:rPr lang="en-US" smtClean="0"/>
-              <a:t>5/6/2023</a:t>
+              <a:t>5/9/2023</a:t>
             </a:fld>
             <a:endParaRPr lang="en-US" dirty="0"/>
           </a:p>
@@ -2239,7 +2239,7 @@
           <a:p>
             <a:fld id="{4EB7D4DB-3C1C-47E0-AE73-99F3EFD53322}" type="datetimeFigureOut">
               <a:rPr lang="en-US" smtClean="0"/>
-              <a:t>5/6/2023</a:t>
+              <a:t>5/9/2023</a:t>
             </a:fld>
             <a:endParaRPr lang="en-US" dirty="0"/>
           </a:p>
@@ -2334,7 +2334,7 @@
           <a:p>
             <a:fld id="{4EB7D4DB-3C1C-47E0-AE73-99F3EFD53322}" type="datetimeFigureOut">
               <a:rPr lang="en-US" smtClean="0"/>
-              <a:t>5/6/2023</a:t>
+              <a:t>5/9/2023</a:t>
             </a:fld>
             <a:endParaRPr lang="en-US" dirty="0"/>
           </a:p>
@@ -2611,7 +2611,7 @@
           <a:p>
             <a:fld id="{4EB7D4DB-3C1C-47E0-AE73-99F3EFD53322}" type="datetimeFigureOut">
               <a:rPr lang="en-US" smtClean="0"/>
-              <a:t>5/6/2023</a:t>
+              <a:t>5/9/2023</a:t>
             </a:fld>
             <a:endParaRPr lang="en-US" dirty="0"/>
           </a:p>
@@ -2864,7 +2864,7 @@
           <a:p>
             <a:fld id="{4EB7D4DB-3C1C-47E0-AE73-99F3EFD53322}" type="datetimeFigureOut">
               <a:rPr lang="en-US" smtClean="0"/>
-              <a:t>5/6/2023</a:t>
+              <a:t>5/9/2023</a:t>
             </a:fld>
             <a:endParaRPr lang="en-US" dirty="0"/>
           </a:p>
@@ -3077,7 +3077,7 @@
           <a:p>
             <a:fld id="{4EB7D4DB-3C1C-47E0-AE73-99F3EFD53322}" type="datetimeFigureOut">
               <a:rPr lang="en-US" smtClean="0"/>
-              <a:t>5/6/2023</a:t>
+              <a:t>5/9/2023</a:t>
             </a:fld>
             <a:endParaRPr lang="en-US" dirty="0"/>
           </a:p>
@@ -4191,8 +4191,19 @@
           <a:p>
             <a:r>
               <a:rPr lang="en-US" sz="1800" dirty="0" smtClean="0"/>
-              <a:t>You have a GCP Account</a:t>
-            </a:r>
+              <a:t>You have a GCP </a:t>
+            </a:r>
+            <a:r>
+              <a:rPr lang="en-US" sz="1800" dirty="0" smtClean="0"/>
+              <a:t>Account</a:t>
+            </a:r>
+          </a:p>
+          <a:p>
+            <a:r>
+              <a:rPr lang="en-US" sz="1800" dirty="0" smtClean="0"/>
+              <a:t>You have a GCP Project created and Compute Engine access enabled</a:t>
+            </a:r>
+            <a:endParaRPr lang="en-US" sz="1800" dirty="0" smtClean="0"/>
           </a:p>
           <a:p>
             <a:r>

--- a/GCP Compute ssh Self-Signed-Certificate.pptx
+++ b/GCP Compute ssh Self-Signed-Certificate.pptx
@@ -196,7 +196,7 @@
           <a:p>
             <a:fld id="{42220474-7C62-44B7-B8E5-673F865CFD35}" type="datetimeFigureOut">
               <a:rPr lang="en-US" smtClean="0"/>
-              <a:t>5/9/2023</a:t>
+              <a:t>5/10/2023</a:t>
             </a:fld>
             <a:endParaRPr lang="en-US" dirty="0"/>
           </a:p>
@@ -645,7 +645,7 @@
           <a:p>
             <a:fld id="{4EB7D4DB-3C1C-47E0-AE73-99F3EFD53322}" type="datetimeFigureOut">
               <a:rPr lang="en-US" smtClean="0"/>
-              <a:t>5/9/2023</a:t>
+              <a:t>5/10/2023</a:t>
             </a:fld>
             <a:endParaRPr lang="en-US" dirty="0"/>
           </a:p>
@@ -815,7 +815,7 @@
           <a:p>
             <a:fld id="{4EB7D4DB-3C1C-47E0-AE73-99F3EFD53322}" type="datetimeFigureOut">
               <a:rPr lang="en-US" smtClean="0"/>
-              <a:t>5/9/2023</a:t>
+              <a:t>5/10/2023</a:t>
             </a:fld>
             <a:endParaRPr lang="en-US" dirty="0"/>
           </a:p>
@@ -995,7 +995,7 @@
           <a:p>
             <a:fld id="{4EB7D4DB-3C1C-47E0-AE73-99F3EFD53322}" type="datetimeFigureOut">
               <a:rPr lang="en-US" smtClean="0"/>
-              <a:t>5/9/2023</a:t>
+              <a:t>5/10/2023</a:t>
             </a:fld>
             <a:endParaRPr lang="en-US" dirty="0"/>
           </a:p>
@@ -1165,7 +1165,7 @@
           <a:p>
             <a:fld id="{4EB7D4DB-3C1C-47E0-AE73-99F3EFD53322}" type="datetimeFigureOut">
               <a:rPr lang="en-US" smtClean="0"/>
-              <a:t>5/9/2023</a:t>
+              <a:t>5/10/2023</a:t>
             </a:fld>
             <a:endParaRPr lang="en-US" dirty="0"/>
           </a:p>
@@ -1411,7 +1411,7 @@
           <a:p>
             <a:fld id="{4EB7D4DB-3C1C-47E0-AE73-99F3EFD53322}" type="datetimeFigureOut">
               <a:rPr lang="en-US" smtClean="0"/>
-              <a:t>5/9/2023</a:t>
+              <a:t>5/10/2023</a:t>
             </a:fld>
             <a:endParaRPr lang="en-US" dirty="0"/>
           </a:p>
@@ -1699,7 +1699,7 @@
           <a:p>
             <a:fld id="{4EB7D4DB-3C1C-47E0-AE73-99F3EFD53322}" type="datetimeFigureOut">
               <a:rPr lang="en-US" smtClean="0"/>
-              <a:t>5/9/2023</a:t>
+              <a:t>5/10/2023</a:t>
             </a:fld>
             <a:endParaRPr lang="en-US" dirty="0"/>
           </a:p>
@@ -2121,7 +2121,7 @@
           <a:p>
             <a:fld id="{4EB7D4DB-3C1C-47E0-AE73-99F3EFD53322}" type="datetimeFigureOut">
               <a:rPr lang="en-US" smtClean="0"/>
-              <a:t>5/9/2023</a:t>
+              <a:t>5/10/2023</a:t>
             </a:fld>
             <a:endParaRPr lang="en-US" dirty="0"/>
           </a:p>
@@ -2239,7 +2239,7 @@
           <a:p>
             <a:fld id="{4EB7D4DB-3C1C-47E0-AE73-99F3EFD53322}" type="datetimeFigureOut">
               <a:rPr lang="en-US" smtClean="0"/>
-              <a:t>5/9/2023</a:t>
+              <a:t>5/10/2023</a:t>
             </a:fld>
             <a:endParaRPr lang="en-US" dirty="0"/>
           </a:p>
@@ -2334,7 +2334,7 @@
           <a:p>
             <a:fld id="{4EB7D4DB-3C1C-47E0-AE73-99F3EFD53322}" type="datetimeFigureOut">
               <a:rPr lang="en-US" smtClean="0"/>
-              <a:t>5/9/2023</a:t>
+              <a:t>5/10/2023</a:t>
             </a:fld>
             <a:endParaRPr lang="en-US" dirty="0"/>
           </a:p>
@@ -2611,7 +2611,7 @@
           <a:p>
             <a:fld id="{4EB7D4DB-3C1C-47E0-AE73-99F3EFD53322}" type="datetimeFigureOut">
               <a:rPr lang="en-US" smtClean="0"/>
-              <a:t>5/9/2023</a:t>
+              <a:t>5/10/2023</a:t>
             </a:fld>
             <a:endParaRPr lang="en-US" dirty="0"/>
           </a:p>
@@ -2864,7 +2864,7 @@
           <a:p>
             <a:fld id="{4EB7D4DB-3C1C-47E0-AE73-99F3EFD53322}" type="datetimeFigureOut">
               <a:rPr lang="en-US" smtClean="0"/>
-              <a:t>5/9/2023</a:t>
+              <a:t>5/10/2023</a:t>
             </a:fld>
             <a:endParaRPr lang="en-US" dirty="0"/>
           </a:p>
@@ -3077,7 +3077,7 @@
           <a:p>
             <a:fld id="{4EB7D4DB-3C1C-47E0-AE73-99F3EFD53322}" type="datetimeFigureOut">
               <a:rPr lang="en-US" smtClean="0"/>
-              <a:t>5/9/2023</a:t>
+              <a:t>5/10/2023</a:t>
             </a:fld>
             <a:endParaRPr lang="en-US" dirty="0"/>
           </a:p>
@@ -3826,7 +3826,15 @@
             </a:pPr>
             <a:r>
               <a:rPr lang="en-US" sz="1800" dirty="0"/>
-              <a:t>In this presentation we will show you how to configure a self-signed certificate and upload the </a:t>
+              <a:t>In this </a:t>
+            </a:r>
+            <a:r>
+              <a:rPr lang="en-US" sz="1800" dirty="0" smtClean="0"/>
+              <a:t>lab we </a:t>
+            </a:r>
+            <a:r>
+              <a:rPr lang="en-US" sz="1800" dirty="0"/>
+              <a:t>will show you how to configure a self-signed certificate and upload the </a:t>
             </a:r>
             <a:r>
               <a:rPr lang="en-US" sz="1800" dirty="0" smtClean="0"/>
@@ -3986,16 +3994,12 @@
               <a:buNone/>
             </a:pPr>
             <a:r>
+              <a:rPr lang="en-US" sz="1800" smtClean="0"/>
+              <a:t>We’ll </a:t>
+            </a:r>
+            <a:r>
               <a:rPr lang="en-US" sz="1800" dirty="0" smtClean="0"/>
-              <a:t>In this lab we’ll generate a certificate locally using ssh-gen.  Then modify the public key to fit the GCP Compute Engine Metadata requirement for certificates.  We’ll import it into the GCP </a:t>
-            </a:r>
-            <a:r>
-              <a:rPr lang="en-US" sz="1800" smtClean="0"/>
-              <a:t>Compute Engine/Settings/Metadata/SSH </a:t>
-            </a:r>
-            <a:r>
-              <a:rPr lang="en-US" sz="1800" dirty="0" smtClean="0"/>
-              <a:t>KEYS section so it’s available automatically every time a GCP Compute VM Instance is created in the project.   We can then use ssh to login to the VM Instance using the private key we created. </a:t>
+              <a:t>generate a certificate locally using ssh-gen.  Then modify the public key to fit the GCP Compute Engine Metadata requirement for certificates.  We’ll import it into the GCP Compute Engine/Settings/Metadata/SSH KEYS section so it’s available automatically every time a GCP Compute VM Instance is created in the project.   We can then use ssh to login to the VM Instance using the private key we created. </a:t>
             </a:r>
           </a:p>
           <a:p>
@@ -4191,11 +4195,7 @@
           <a:p>
             <a:r>
               <a:rPr lang="en-US" sz="1800" dirty="0" smtClean="0"/>
-              <a:t>You have a GCP </a:t>
-            </a:r>
-            <a:r>
-              <a:rPr lang="en-US" sz="1800" dirty="0" smtClean="0"/>
-              <a:t>Account</a:t>
+              <a:t>You have a GCP Account</a:t>
             </a:r>
           </a:p>
           <a:p>
@@ -4203,7 +4203,6 @@
               <a:rPr lang="en-US" sz="1800" dirty="0" smtClean="0"/>
               <a:t>You have a GCP Project created and Compute Engine access enabled</a:t>
             </a:r>
-            <a:endParaRPr lang="en-US" sz="1800" dirty="0" smtClean="0"/>
           </a:p>
           <a:p>
             <a:r>

--- a/GCP Compute ssh Self-Signed-Certificate.pptx
+++ b/GCP Compute ssh Self-Signed-Certificate.pptx
@@ -196,7 +196,7 @@
           <a:p>
             <a:fld id="{42220474-7C62-44B7-B8E5-673F865CFD35}" type="datetimeFigureOut">
               <a:rPr lang="en-US" smtClean="0"/>
-              <a:t>5/10/2023</a:t>
+              <a:t>7/4/2023</a:t>
             </a:fld>
             <a:endParaRPr lang="en-US" dirty="0"/>
           </a:p>
@@ -645,7 +645,7 @@
           <a:p>
             <a:fld id="{4EB7D4DB-3C1C-47E0-AE73-99F3EFD53322}" type="datetimeFigureOut">
               <a:rPr lang="en-US" smtClean="0"/>
-              <a:t>5/10/2023</a:t>
+              <a:t>7/4/2023</a:t>
             </a:fld>
             <a:endParaRPr lang="en-US" dirty="0"/>
           </a:p>
@@ -815,7 +815,7 @@
           <a:p>
             <a:fld id="{4EB7D4DB-3C1C-47E0-AE73-99F3EFD53322}" type="datetimeFigureOut">
               <a:rPr lang="en-US" smtClean="0"/>
-              <a:t>5/10/2023</a:t>
+              <a:t>7/4/2023</a:t>
             </a:fld>
             <a:endParaRPr lang="en-US" dirty="0"/>
           </a:p>
@@ -995,7 +995,7 @@
           <a:p>
             <a:fld id="{4EB7D4DB-3C1C-47E0-AE73-99F3EFD53322}" type="datetimeFigureOut">
               <a:rPr lang="en-US" smtClean="0"/>
-              <a:t>5/10/2023</a:t>
+              <a:t>7/4/2023</a:t>
             </a:fld>
             <a:endParaRPr lang="en-US" dirty="0"/>
           </a:p>
@@ -1165,7 +1165,7 @@
           <a:p>
             <a:fld id="{4EB7D4DB-3C1C-47E0-AE73-99F3EFD53322}" type="datetimeFigureOut">
               <a:rPr lang="en-US" smtClean="0"/>
-              <a:t>5/10/2023</a:t>
+              <a:t>7/4/2023</a:t>
             </a:fld>
             <a:endParaRPr lang="en-US" dirty="0"/>
           </a:p>
@@ -1411,7 +1411,7 @@
           <a:p>
             <a:fld id="{4EB7D4DB-3C1C-47E0-AE73-99F3EFD53322}" type="datetimeFigureOut">
               <a:rPr lang="en-US" smtClean="0"/>
-              <a:t>5/10/2023</a:t>
+              <a:t>7/4/2023</a:t>
             </a:fld>
             <a:endParaRPr lang="en-US" dirty="0"/>
           </a:p>
@@ -1699,7 +1699,7 @@
           <a:p>
             <a:fld id="{4EB7D4DB-3C1C-47E0-AE73-99F3EFD53322}" type="datetimeFigureOut">
               <a:rPr lang="en-US" smtClean="0"/>
-              <a:t>5/10/2023</a:t>
+              <a:t>7/4/2023</a:t>
             </a:fld>
             <a:endParaRPr lang="en-US" dirty="0"/>
           </a:p>
@@ -2121,7 +2121,7 @@
           <a:p>
             <a:fld id="{4EB7D4DB-3C1C-47E0-AE73-99F3EFD53322}" type="datetimeFigureOut">
               <a:rPr lang="en-US" smtClean="0"/>
-              <a:t>5/10/2023</a:t>
+              <a:t>7/4/2023</a:t>
             </a:fld>
             <a:endParaRPr lang="en-US" dirty="0"/>
           </a:p>
@@ -2239,7 +2239,7 @@
           <a:p>
             <a:fld id="{4EB7D4DB-3C1C-47E0-AE73-99F3EFD53322}" type="datetimeFigureOut">
               <a:rPr lang="en-US" smtClean="0"/>
-              <a:t>5/10/2023</a:t>
+              <a:t>7/4/2023</a:t>
             </a:fld>
             <a:endParaRPr lang="en-US" dirty="0"/>
           </a:p>
@@ -2334,7 +2334,7 @@
           <a:p>
             <a:fld id="{4EB7D4DB-3C1C-47E0-AE73-99F3EFD53322}" type="datetimeFigureOut">
               <a:rPr lang="en-US" smtClean="0"/>
-              <a:t>5/10/2023</a:t>
+              <a:t>7/4/2023</a:t>
             </a:fld>
             <a:endParaRPr lang="en-US" dirty="0"/>
           </a:p>
@@ -2611,7 +2611,7 @@
           <a:p>
             <a:fld id="{4EB7D4DB-3C1C-47E0-AE73-99F3EFD53322}" type="datetimeFigureOut">
               <a:rPr lang="en-US" smtClean="0"/>
-              <a:t>5/10/2023</a:t>
+              <a:t>7/4/2023</a:t>
             </a:fld>
             <a:endParaRPr lang="en-US" dirty="0"/>
           </a:p>
@@ -2864,7 +2864,7 @@
           <a:p>
             <a:fld id="{4EB7D4DB-3C1C-47E0-AE73-99F3EFD53322}" type="datetimeFigureOut">
               <a:rPr lang="en-US" smtClean="0"/>
-              <a:t>5/10/2023</a:t>
+              <a:t>7/4/2023</a:t>
             </a:fld>
             <a:endParaRPr lang="en-US" dirty="0"/>
           </a:p>
@@ -3077,7 +3077,7 @@
           <a:p>
             <a:fld id="{4EB7D4DB-3C1C-47E0-AE73-99F3EFD53322}" type="datetimeFigureOut">
               <a:rPr lang="en-US" smtClean="0"/>
-              <a:t>5/10/2023</a:t>
+              <a:t>7/4/2023</a:t>
             </a:fld>
             <a:endParaRPr lang="en-US" dirty="0"/>
           </a:p>
@@ -4215,8 +4215,17 @@
             </a:r>
             <a:r>
               <a:rPr lang="en-US" sz="1800" dirty="0" smtClean="0"/>
-              <a:t>locally and configured to access the GCP Cloud  </a:t>
-            </a:r>
+              <a:t>locally and configured to access the GCP </a:t>
+            </a:r>
+            <a:r>
+              <a:rPr lang="en-US" sz="1800" smtClean="0"/>
+              <a:t>Cloud </a:t>
+            </a:r>
+            <a:r>
+              <a:rPr lang="en-US" sz="1800" smtClean="0"/>
+              <a:t>Project </a:t>
+            </a:r>
+            <a:endParaRPr lang="en-US" sz="1800" dirty="0" smtClean="0"/>
           </a:p>
         </p:txBody>
       </p:sp>
